--- a/Chapter4/AnalysisFiles/Reformatted Figures.pptx
+++ b/Chapter4/AnalysisFiles/Reformatted Figures.pptx
@@ -6,6 +6,10 @@
   </p:sldMasterIdLst>
   <p:sldIdLst>
     <p:sldId id="256" r:id="rId2"/>
+    <p:sldId id="257" r:id="rId3"/>
+    <p:sldId id="258" r:id="rId4"/>
+    <p:sldId id="259" r:id="rId5"/>
+    <p:sldId id="260" r:id="rId6"/>
   </p:sldIdLst>
   <p:sldSz cx="9144000" cy="6858000" type="screen4x3"/>
   <p:notesSz cx="6858000" cy="9144000"/>
@@ -3232,6 +3236,1121 @@
 </p:sld>
 </file>
 
+<file path=ppt/slides/slide2.xml><?xml version="1.0" encoding="utf-8"?>
+<p:sld xmlns:a="http://schemas.openxmlformats.org/drawingml/2006/main" xmlns:r="http://schemas.openxmlformats.org/officeDocument/2006/relationships" xmlns:p="http://schemas.openxmlformats.org/presentationml/2006/main">
+  <p:cSld>
+    <p:spTree>
+      <p:nvGrpSpPr>
+        <p:cNvPr id="1" name=""/>
+        <p:cNvGrpSpPr/>
+        <p:nvPr/>
+      </p:nvGrpSpPr>
+      <p:grpSpPr>
+        <a:xfrm>
+          <a:off x="0" y="0"/>
+          <a:ext cx="0" cy="0"/>
+          <a:chOff x="0" y="0"/>
+          <a:chExt cx="0" cy="0"/>
+        </a:xfrm>
+      </p:grpSpPr>
+      <p:grpSp>
+        <p:nvGrpSpPr>
+          <p:cNvPr id="2" name="Group 1"/>
+          <p:cNvGrpSpPr/>
+          <p:nvPr/>
+        </p:nvGrpSpPr>
+        <p:grpSpPr>
+          <a:xfrm>
+            <a:off x="1752031" y="1194323"/>
+            <a:ext cx="5486400" cy="4167635"/>
+            <a:chOff x="1752031" y="1194323"/>
+            <a:chExt cx="5486400" cy="4167635"/>
+          </a:xfrm>
+        </p:grpSpPr>
+        <p:pic>
+          <p:nvPicPr>
+            <p:cNvPr id="2050" name="Picture 2" descr="C:\Users\WILLDA~1\AppData\Local\Temp\VMwareDnD\9110b323\northcentroids_histplot2d.png"/>
+            <p:cNvPicPr>
+              <a:picLocks noChangeAspect="1" noChangeArrowheads="1"/>
+            </p:cNvPicPr>
+            <p:nvPr/>
+          </p:nvPicPr>
+          <p:blipFill>
+            <a:blip r:embed="rId2">
+              <a:extLst>
+                <a:ext uri="{28A0092B-C50C-407E-A947-70E740481C1C}">
+                  <a14:useLocalDpi xmlns:a14="http://schemas.microsoft.com/office/drawing/2010/main" val="0"/>
+                </a:ext>
+              </a:extLst>
+            </a:blip>
+            <a:srcRect/>
+            <a:stretch>
+              <a:fillRect/>
+            </a:stretch>
+          </p:blipFill>
+          <p:spPr bwMode="auto">
+            <a:xfrm>
+              <a:off x="1752031" y="1194323"/>
+              <a:ext cx="5486400" cy="4167635"/>
+            </a:xfrm>
+            <a:prstGeom prst="rect">
+              <a:avLst/>
+            </a:prstGeom>
+            <a:noFill/>
+            <a:extLst>
+              <a:ext uri="{909E8E84-426E-40DD-AFC4-6F175D3DCCD1}">
+                <a14:hiddenFill xmlns:a14="http://schemas.microsoft.com/office/drawing/2010/main">
+                  <a:solidFill>
+                    <a:srgbClr val="FFFFFF"/>
+                  </a:solidFill>
+                </a14:hiddenFill>
+              </a:ext>
+            </a:extLst>
+          </p:spPr>
+        </p:pic>
+        <p:sp>
+          <p:nvSpPr>
+            <p:cNvPr id="3" name="TextBox 2"/>
+            <p:cNvSpPr txBox="1"/>
+            <p:nvPr/>
+          </p:nvSpPr>
+          <p:spPr>
+            <a:xfrm>
+              <a:off x="5165766" y="4744193"/>
+              <a:ext cx="1872949" cy="338554"/>
+            </a:xfrm>
+            <a:prstGeom prst="rect">
+              <a:avLst/>
+            </a:prstGeom>
+            <a:noFill/>
+          </p:spPr>
+          <p:txBody>
+            <a:bodyPr wrap="none" rtlCol="0">
+              <a:spAutoFit/>
+            </a:bodyPr>
+            <a:lstStyle/>
+            <a:p>
+              <a:r>
+                <a:rPr lang="en-US" sz="1600" dirty="0" smtClean="0"/>
+                <a:t>Northern Subcluster</a:t>
+              </a:r>
+              <a:endParaRPr lang="en-US" sz="1600" dirty="0"/>
+            </a:p>
+          </p:txBody>
+        </p:sp>
+        <p:sp>
+          <p:nvSpPr>
+            <p:cNvPr id="5" name="Line Callout 2 (Accent Bar) 4"/>
+            <p:cNvSpPr/>
+            <p:nvPr/>
+          </p:nvSpPr>
+          <p:spPr>
+            <a:xfrm>
+              <a:off x="2489712" y="4077725"/>
+              <a:ext cx="914400" cy="457200"/>
+            </a:xfrm>
+            <a:prstGeom prst="accentCallout2">
+              <a:avLst>
+                <a:gd name="adj1" fmla="val 18750"/>
+                <a:gd name="adj2" fmla="val 105100"/>
+                <a:gd name="adj3" fmla="val 18846"/>
+                <a:gd name="adj4" fmla="val 113499"/>
+                <a:gd name="adj5" fmla="val -102398"/>
+                <a:gd name="adj6" fmla="val 148875"/>
+              </a:avLst>
+            </a:prstGeom>
+            <a:noFill/>
+            <a:ln>
+              <a:solidFill>
+                <a:schemeClr val="accent2"/>
+              </a:solidFill>
+            </a:ln>
+          </p:spPr>
+          <p:style>
+            <a:lnRef idx="2">
+              <a:schemeClr val="accent1">
+                <a:shade val="50000"/>
+              </a:schemeClr>
+            </a:lnRef>
+            <a:fillRef idx="1">
+              <a:schemeClr val="accent1"/>
+            </a:fillRef>
+            <a:effectRef idx="0">
+              <a:schemeClr val="accent1"/>
+            </a:effectRef>
+            <a:fontRef idx="minor">
+              <a:schemeClr val="lt1"/>
+            </a:fontRef>
+          </p:style>
+          <p:txBody>
+            <a:bodyPr rtlCol="0" anchor="ctr"/>
+            <a:lstStyle/>
+            <a:p>
+              <a:pPr algn="r"/>
+              <a:r>
+                <a:rPr lang="en-US" sz="1600" dirty="0" smtClean="0">
+                  <a:solidFill>
+                    <a:schemeClr val="accent2"/>
+                  </a:solidFill>
+                </a:rPr>
+                <a:t>Galaxy</a:t>
+              </a:r>
+            </a:p>
+            <a:p>
+              <a:pPr algn="r"/>
+              <a:r>
+                <a:rPr lang="en-US" sz="1600" dirty="0" smtClean="0">
+                  <a:solidFill>
+                    <a:schemeClr val="accent2"/>
+                  </a:solidFill>
+                </a:rPr>
+                <a:t>Centroid</a:t>
+              </a:r>
+              <a:endParaRPr lang="en-US" sz="1600" dirty="0">
+                <a:solidFill>
+                  <a:schemeClr val="accent2"/>
+                </a:solidFill>
+              </a:endParaRPr>
+            </a:p>
+          </p:txBody>
+        </p:sp>
+        <p:sp>
+          <p:nvSpPr>
+            <p:cNvPr id="6" name="Line Callout 2 (Accent Bar) 5"/>
+            <p:cNvSpPr/>
+            <p:nvPr/>
+          </p:nvSpPr>
+          <p:spPr>
+            <a:xfrm>
+              <a:off x="2553046" y="1742243"/>
+              <a:ext cx="914400" cy="457200"/>
+            </a:xfrm>
+            <a:prstGeom prst="accentCallout2">
+              <a:avLst>
+                <a:gd name="adj1" fmla="val 18750"/>
+                <a:gd name="adj2" fmla="val 105100"/>
+                <a:gd name="adj3" fmla="val 18846"/>
+                <a:gd name="adj4" fmla="val 113499"/>
+                <a:gd name="adj5" fmla="val 178445"/>
+                <a:gd name="adj6" fmla="val 174199"/>
+              </a:avLst>
+            </a:prstGeom>
+            <a:noFill/>
+            <a:ln>
+              <a:solidFill>
+                <a:schemeClr val="accent1"/>
+              </a:solidFill>
+            </a:ln>
+          </p:spPr>
+          <p:style>
+            <a:lnRef idx="2">
+              <a:schemeClr val="accent1">
+                <a:shade val="50000"/>
+              </a:schemeClr>
+            </a:lnRef>
+            <a:fillRef idx="1">
+              <a:schemeClr val="accent1"/>
+            </a:fillRef>
+            <a:effectRef idx="0">
+              <a:schemeClr val="accent1"/>
+            </a:effectRef>
+            <a:fontRef idx="minor">
+              <a:schemeClr val="lt1"/>
+            </a:fontRef>
+          </p:style>
+          <p:txBody>
+            <a:bodyPr rtlCol="0" anchor="ctr"/>
+            <a:lstStyle/>
+            <a:p>
+              <a:pPr algn="r"/>
+              <a:r>
+                <a:rPr lang="en-US" sz="1600" dirty="0" smtClean="0">
+                  <a:solidFill>
+                    <a:schemeClr val="accent1"/>
+                  </a:solidFill>
+                </a:rPr>
+                <a:t>Lensing</a:t>
+              </a:r>
+            </a:p>
+            <a:p>
+              <a:pPr algn="r"/>
+              <a:r>
+                <a:rPr lang="en-US" sz="1600" dirty="0" smtClean="0">
+                  <a:solidFill>
+                    <a:schemeClr val="accent1"/>
+                  </a:solidFill>
+                </a:rPr>
+                <a:t>Centroid</a:t>
+              </a:r>
+              <a:endParaRPr lang="en-US" sz="1600" dirty="0">
+                <a:solidFill>
+                  <a:schemeClr val="accent1"/>
+                </a:solidFill>
+              </a:endParaRPr>
+            </a:p>
+          </p:txBody>
+        </p:sp>
+      </p:grpSp>
+      <p:cxnSp>
+        <p:nvCxnSpPr>
+          <p:cNvPr id="8" name="Straight Connector 7"/>
+          <p:cNvCxnSpPr/>
+          <p:nvPr/>
+        </p:nvCxnSpPr>
+        <p:spPr>
+          <a:xfrm flipV="1">
+            <a:off x="3734790" y="1318160"/>
+            <a:ext cx="1453896" cy="3758184"/>
+          </a:xfrm>
+          <a:prstGeom prst="line">
+            <a:avLst/>
+          </a:prstGeom>
+          <a:ln w="19050">
+            <a:solidFill>
+              <a:schemeClr val="accent4"/>
+            </a:solidFill>
+            <a:prstDash val="dash"/>
+          </a:ln>
+        </p:spPr>
+        <p:style>
+          <a:lnRef idx="1">
+            <a:schemeClr val="accent1"/>
+          </a:lnRef>
+          <a:fillRef idx="0">
+            <a:schemeClr val="accent1"/>
+          </a:fillRef>
+          <a:effectRef idx="0">
+            <a:schemeClr val="accent1"/>
+          </a:effectRef>
+          <a:fontRef idx="minor">
+            <a:schemeClr val="tx1"/>
+          </a:fontRef>
+        </p:style>
+      </p:cxnSp>
+      <p:sp>
+        <p:nvSpPr>
+          <p:cNvPr id="9" name="Line Callout 2 (Accent Bar) 8"/>
+          <p:cNvSpPr/>
+          <p:nvPr/>
+        </p:nvSpPr>
+        <p:spPr>
+          <a:xfrm>
+            <a:off x="3420093" y="1385985"/>
+            <a:ext cx="1288326" cy="245660"/>
+          </a:xfrm>
+          <a:prstGeom prst="accentCallout2">
+            <a:avLst>
+              <a:gd name="adj1" fmla="val 18750"/>
+              <a:gd name="adj2" fmla="val 100491"/>
+              <a:gd name="adj3" fmla="val 18846"/>
+              <a:gd name="adj4" fmla="val 108429"/>
+              <a:gd name="adj5" fmla="val 67659"/>
+              <a:gd name="adj6" fmla="val 129369"/>
+            </a:avLst>
+          </a:prstGeom>
+          <a:noFill/>
+          <a:ln w="12700">
+            <a:solidFill>
+              <a:schemeClr val="accent4"/>
+            </a:solidFill>
+            <a:prstDash val="dash"/>
+          </a:ln>
+        </p:spPr>
+        <p:style>
+          <a:lnRef idx="2">
+            <a:schemeClr val="accent1">
+              <a:shade val="50000"/>
+            </a:schemeClr>
+          </a:lnRef>
+          <a:fillRef idx="1">
+            <a:schemeClr val="accent1"/>
+          </a:fillRef>
+          <a:effectRef idx="0">
+            <a:schemeClr val="accent1"/>
+          </a:effectRef>
+          <a:fontRef idx="minor">
+            <a:schemeClr val="lt1"/>
+          </a:fontRef>
+        </p:style>
+        <p:txBody>
+          <a:bodyPr rtlCol="0" anchor="ctr"/>
+          <a:lstStyle/>
+          <a:p>
+            <a:pPr algn="r"/>
+            <a:r>
+              <a:rPr lang="en-US" sz="1400" dirty="0" smtClean="0">
+                <a:solidFill>
+                  <a:schemeClr val="accent4"/>
+                </a:solidFill>
+              </a:rPr>
+              <a:t>Merger Axis</a:t>
+            </a:r>
+            <a:endParaRPr lang="en-US" sz="1400" dirty="0">
+              <a:solidFill>
+                <a:schemeClr val="accent4"/>
+              </a:solidFill>
+            </a:endParaRPr>
+          </a:p>
+        </p:txBody>
+      </p:sp>
+    </p:spTree>
+    <p:extLst>
+      <p:ext uri="{BB962C8B-B14F-4D97-AF65-F5344CB8AC3E}">
+        <p14:creationId xmlns:p14="http://schemas.microsoft.com/office/powerpoint/2010/main" val="4201369496"/>
+      </p:ext>
+    </p:extLst>
+  </p:cSld>
+  <p:clrMapOvr>
+    <a:masterClrMapping/>
+  </p:clrMapOvr>
+</p:sld>
+</file>
+
+<file path=ppt/slides/slide3.xml><?xml version="1.0" encoding="utf-8"?>
+<p:sld xmlns:a="http://schemas.openxmlformats.org/drawingml/2006/main" xmlns:r="http://schemas.openxmlformats.org/officeDocument/2006/relationships" xmlns:p="http://schemas.openxmlformats.org/presentationml/2006/main">
+  <p:cSld>
+    <p:spTree>
+      <p:nvGrpSpPr>
+        <p:cNvPr id="1" name=""/>
+        <p:cNvGrpSpPr/>
+        <p:nvPr/>
+      </p:nvGrpSpPr>
+      <p:grpSpPr>
+        <a:xfrm>
+          <a:off x="0" y="0"/>
+          <a:ext cx="0" cy="0"/>
+          <a:chOff x="0" y="0"/>
+          <a:chExt cx="0" cy="0"/>
+        </a:xfrm>
+      </p:grpSpPr>
+      <p:grpSp>
+        <p:nvGrpSpPr>
+          <p:cNvPr id="11" name="Group 10"/>
+          <p:cNvGrpSpPr/>
+          <p:nvPr/>
+        </p:nvGrpSpPr>
+        <p:grpSpPr>
+          <a:xfrm>
+            <a:off x="1835159" y="1376854"/>
+            <a:ext cx="5486400" cy="4184543"/>
+            <a:chOff x="1835159" y="1376854"/>
+            <a:chExt cx="5486400" cy="4184543"/>
+          </a:xfrm>
+        </p:grpSpPr>
+        <p:grpSp>
+          <p:nvGrpSpPr>
+            <p:cNvPr id="6" name="Group 5"/>
+            <p:cNvGrpSpPr/>
+            <p:nvPr/>
+          </p:nvGrpSpPr>
+          <p:grpSpPr>
+            <a:xfrm>
+              <a:off x="1835159" y="1376854"/>
+              <a:ext cx="5486400" cy="4184543"/>
+              <a:chOff x="1835159" y="1376854"/>
+              <a:chExt cx="5486400" cy="4184543"/>
+            </a:xfrm>
+          </p:grpSpPr>
+          <p:pic>
+            <p:nvPicPr>
+              <p:cNvPr id="3074" name="Picture 2" descr="C:\Users\WILLDA~1\AppData\Local\Temp\VMwareDnD\9318b512\southcentroids_histplot2d.png"/>
+              <p:cNvPicPr>
+                <a:picLocks noChangeAspect="1" noChangeArrowheads="1"/>
+              </p:cNvPicPr>
+              <p:nvPr/>
+            </p:nvPicPr>
+            <p:blipFill>
+              <a:blip r:embed="rId2">
+                <a:extLst>
+                  <a:ext uri="{28A0092B-C50C-407E-A947-70E740481C1C}">
+                    <a14:useLocalDpi xmlns:a14="http://schemas.microsoft.com/office/drawing/2010/main" val="0"/>
+                  </a:ext>
+                </a:extLst>
+              </a:blip>
+              <a:srcRect/>
+              <a:stretch>
+                <a:fillRect/>
+              </a:stretch>
+            </p:blipFill>
+            <p:spPr bwMode="auto">
+              <a:xfrm>
+                <a:off x="1835159" y="1376854"/>
+                <a:ext cx="5486400" cy="4184543"/>
+              </a:xfrm>
+              <a:prstGeom prst="rect">
+                <a:avLst/>
+              </a:prstGeom>
+              <a:noFill/>
+              <a:extLst>
+                <a:ext uri="{909E8E84-426E-40DD-AFC4-6F175D3DCCD1}">
+                  <a14:hiddenFill xmlns:a14="http://schemas.microsoft.com/office/drawing/2010/main">
+                    <a:solidFill>
+                      <a:srgbClr val="FFFFFF"/>
+                    </a:solidFill>
+                  </a14:hiddenFill>
+                </a:ext>
+              </a:extLst>
+            </p:spPr>
+          </p:pic>
+          <p:sp>
+            <p:nvSpPr>
+              <p:cNvPr id="3" name="Line Callout 2 (Accent Bar) 2"/>
+              <p:cNvSpPr/>
+              <p:nvPr/>
+            </p:nvSpPr>
+            <p:spPr>
+              <a:xfrm>
+                <a:off x="5739522" y="3352292"/>
+                <a:ext cx="914400" cy="457200"/>
+              </a:xfrm>
+              <a:prstGeom prst="accentCallout2">
+                <a:avLst>
+                  <a:gd name="adj1" fmla="val 18750"/>
+                  <a:gd name="adj2" fmla="val -8333"/>
+                  <a:gd name="adj3" fmla="val 18750"/>
+                  <a:gd name="adj4" fmla="val -16667"/>
+                  <a:gd name="adj5" fmla="val 60029"/>
+                  <a:gd name="adj6" fmla="val -65671"/>
+                </a:avLst>
+              </a:prstGeom>
+              <a:noFill/>
+              <a:ln>
+                <a:solidFill>
+                  <a:schemeClr val="accent1"/>
+                </a:solidFill>
+              </a:ln>
+            </p:spPr>
+            <p:style>
+              <a:lnRef idx="2">
+                <a:schemeClr val="accent1">
+                  <a:shade val="50000"/>
+                </a:schemeClr>
+              </a:lnRef>
+              <a:fillRef idx="1">
+                <a:schemeClr val="accent1"/>
+              </a:fillRef>
+              <a:effectRef idx="0">
+                <a:schemeClr val="accent1"/>
+              </a:effectRef>
+              <a:fontRef idx="minor">
+                <a:schemeClr val="lt1"/>
+              </a:fontRef>
+            </p:style>
+            <p:txBody>
+              <a:bodyPr rtlCol="0" anchor="ctr"/>
+              <a:lstStyle/>
+              <a:p>
+                <a:r>
+                  <a:rPr lang="en-US" sz="1600" dirty="0" smtClean="0">
+                    <a:solidFill>
+                      <a:schemeClr val="accent1"/>
+                    </a:solidFill>
+                  </a:rPr>
+                  <a:t>Lensing</a:t>
+                </a:r>
+              </a:p>
+              <a:p>
+                <a:r>
+                  <a:rPr lang="en-US" sz="1600" dirty="0" smtClean="0">
+                    <a:solidFill>
+                      <a:schemeClr val="accent1"/>
+                    </a:solidFill>
+                  </a:rPr>
+                  <a:t>Centroid</a:t>
+                </a:r>
+                <a:endParaRPr lang="en-US" sz="1600" dirty="0">
+                  <a:solidFill>
+                    <a:schemeClr val="accent1"/>
+                  </a:solidFill>
+                </a:endParaRPr>
+              </a:p>
+            </p:txBody>
+          </p:sp>
+          <p:sp>
+            <p:nvSpPr>
+              <p:cNvPr id="5" name="Line Callout 2 (Accent Bar) 4"/>
+              <p:cNvSpPr/>
+              <p:nvPr/>
+            </p:nvSpPr>
+            <p:spPr>
+              <a:xfrm>
+                <a:off x="2608466" y="4736806"/>
+                <a:ext cx="914400" cy="457200"/>
+              </a:xfrm>
+              <a:prstGeom prst="accentCallout2">
+                <a:avLst>
+                  <a:gd name="adj1" fmla="val 18750"/>
+                  <a:gd name="adj2" fmla="val 105100"/>
+                  <a:gd name="adj3" fmla="val 18846"/>
+                  <a:gd name="adj4" fmla="val 113499"/>
+                  <a:gd name="adj5" fmla="val -35407"/>
+                  <a:gd name="adj6" fmla="val 161862"/>
+                </a:avLst>
+              </a:prstGeom>
+              <a:noFill/>
+              <a:ln>
+                <a:solidFill>
+                  <a:schemeClr val="accent2"/>
+                </a:solidFill>
+              </a:ln>
+            </p:spPr>
+            <p:style>
+              <a:lnRef idx="2">
+                <a:schemeClr val="accent1">
+                  <a:shade val="50000"/>
+                </a:schemeClr>
+              </a:lnRef>
+              <a:fillRef idx="1">
+                <a:schemeClr val="accent1"/>
+              </a:fillRef>
+              <a:effectRef idx="0">
+                <a:schemeClr val="accent1"/>
+              </a:effectRef>
+              <a:fontRef idx="minor">
+                <a:schemeClr val="lt1"/>
+              </a:fontRef>
+            </p:style>
+            <p:txBody>
+              <a:bodyPr rtlCol="0" anchor="ctr"/>
+              <a:lstStyle/>
+              <a:p>
+                <a:pPr algn="r"/>
+                <a:r>
+                  <a:rPr lang="en-US" sz="1600" dirty="0" smtClean="0">
+                    <a:solidFill>
+                      <a:schemeClr val="accent2"/>
+                    </a:solidFill>
+                  </a:rPr>
+                  <a:t>Galaxy</a:t>
+                </a:r>
+              </a:p>
+              <a:p>
+                <a:pPr algn="r"/>
+                <a:r>
+                  <a:rPr lang="en-US" sz="1600" dirty="0" smtClean="0">
+                    <a:solidFill>
+                      <a:schemeClr val="accent2"/>
+                    </a:solidFill>
+                  </a:rPr>
+                  <a:t>Centroid</a:t>
+                </a:r>
+                <a:endParaRPr lang="en-US" sz="1600" dirty="0">
+                  <a:solidFill>
+                    <a:schemeClr val="accent2"/>
+                  </a:solidFill>
+                </a:endParaRPr>
+              </a:p>
+            </p:txBody>
+          </p:sp>
+          <p:sp>
+            <p:nvSpPr>
+              <p:cNvPr id="4" name="TextBox 3"/>
+              <p:cNvSpPr txBox="1"/>
+              <p:nvPr/>
+            </p:nvSpPr>
+            <p:spPr>
+              <a:xfrm>
+                <a:off x="5248894" y="4946072"/>
+                <a:ext cx="1869743" cy="338554"/>
+              </a:xfrm>
+              <a:prstGeom prst="rect">
+                <a:avLst/>
+              </a:prstGeom>
+              <a:noFill/>
+            </p:spPr>
+            <p:txBody>
+              <a:bodyPr wrap="none" rtlCol="0">
+                <a:spAutoFit/>
+              </a:bodyPr>
+              <a:lstStyle/>
+              <a:p>
+                <a:r>
+                  <a:rPr lang="en-US" sz="1600" dirty="0" smtClean="0"/>
+                  <a:t>Southern Subcluster</a:t>
+                </a:r>
+                <a:endParaRPr lang="en-US" sz="1600" dirty="0"/>
+              </a:p>
+            </p:txBody>
+          </p:sp>
+        </p:grpSp>
+        <p:cxnSp>
+          <p:nvCxnSpPr>
+            <p:cNvPr id="8" name="Straight Connector 7"/>
+            <p:cNvCxnSpPr/>
+            <p:nvPr/>
+          </p:nvCxnSpPr>
+          <p:spPr>
+            <a:xfrm flipV="1">
+              <a:off x="3960421" y="1502229"/>
+              <a:ext cx="1894114" cy="3758540"/>
+            </a:xfrm>
+            <a:prstGeom prst="line">
+              <a:avLst/>
+            </a:prstGeom>
+            <a:ln w="19050">
+              <a:solidFill>
+                <a:schemeClr val="accent3"/>
+              </a:solidFill>
+              <a:prstDash val="dashDot"/>
+            </a:ln>
+          </p:spPr>
+          <p:style>
+            <a:lnRef idx="1">
+              <a:schemeClr val="accent1"/>
+            </a:lnRef>
+            <a:fillRef idx="0">
+              <a:schemeClr val="accent1"/>
+            </a:fillRef>
+            <a:effectRef idx="0">
+              <a:schemeClr val="accent1"/>
+            </a:effectRef>
+            <a:fontRef idx="minor">
+              <a:schemeClr val="tx1"/>
+            </a:fontRef>
+          </p:style>
+        </p:cxnSp>
+        <p:cxnSp>
+          <p:nvCxnSpPr>
+            <p:cNvPr id="10" name="Straight Connector 9"/>
+            <p:cNvCxnSpPr/>
+            <p:nvPr/>
+          </p:nvCxnSpPr>
+          <p:spPr>
+            <a:xfrm flipV="1">
+              <a:off x="4061362" y="1520041"/>
+              <a:ext cx="1453896" cy="3758184"/>
+            </a:xfrm>
+            <a:prstGeom prst="line">
+              <a:avLst/>
+            </a:prstGeom>
+            <a:ln w="19050">
+              <a:solidFill>
+                <a:schemeClr val="accent4"/>
+              </a:solidFill>
+              <a:prstDash val="dash"/>
+            </a:ln>
+          </p:spPr>
+          <p:style>
+            <a:lnRef idx="1">
+              <a:schemeClr val="accent1"/>
+            </a:lnRef>
+            <a:fillRef idx="0">
+              <a:schemeClr val="accent1"/>
+            </a:fillRef>
+            <a:effectRef idx="0">
+              <a:schemeClr val="accent1"/>
+            </a:effectRef>
+            <a:fontRef idx="minor">
+              <a:schemeClr val="tx1"/>
+            </a:fontRef>
+          </p:style>
+        </p:cxnSp>
+        <p:sp>
+          <p:nvSpPr>
+            <p:cNvPr id="12" name="Line Callout 2 (Accent Bar) 11"/>
+            <p:cNvSpPr/>
+            <p:nvPr/>
+          </p:nvSpPr>
+          <p:spPr>
+            <a:xfrm>
+              <a:off x="3390405" y="1736307"/>
+              <a:ext cx="1288326" cy="245660"/>
+            </a:xfrm>
+            <a:prstGeom prst="accentCallout2">
+              <a:avLst>
+                <a:gd name="adj1" fmla="val 18750"/>
+                <a:gd name="adj2" fmla="val 105100"/>
+                <a:gd name="adj3" fmla="val 18846"/>
+                <a:gd name="adj4" fmla="val 113499"/>
+                <a:gd name="adj5" fmla="val 149838"/>
+                <a:gd name="adj6" fmla="val 142274"/>
+              </a:avLst>
+            </a:prstGeom>
+            <a:noFill/>
+            <a:ln w="12700">
+              <a:solidFill>
+                <a:schemeClr val="accent4"/>
+              </a:solidFill>
+              <a:prstDash val="dash"/>
+            </a:ln>
+          </p:spPr>
+          <p:style>
+            <a:lnRef idx="2">
+              <a:schemeClr val="accent1">
+                <a:shade val="50000"/>
+              </a:schemeClr>
+            </a:lnRef>
+            <a:fillRef idx="1">
+              <a:schemeClr val="accent1"/>
+            </a:fillRef>
+            <a:effectRef idx="0">
+              <a:schemeClr val="accent1"/>
+            </a:effectRef>
+            <a:fontRef idx="minor">
+              <a:schemeClr val="lt1"/>
+            </a:fontRef>
+          </p:style>
+          <p:txBody>
+            <a:bodyPr rtlCol="0" anchor="ctr"/>
+            <a:lstStyle/>
+            <a:p>
+              <a:pPr algn="r"/>
+              <a:r>
+                <a:rPr lang="en-US" sz="1400" dirty="0" smtClean="0">
+                  <a:solidFill>
+                    <a:schemeClr val="accent4"/>
+                  </a:solidFill>
+                </a:rPr>
+                <a:t>Merger Axis</a:t>
+              </a:r>
+              <a:endParaRPr lang="en-US" sz="1400" dirty="0">
+                <a:solidFill>
+                  <a:schemeClr val="accent4"/>
+                </a:solidFill>
+              </a:endParaRPr>
+            </a:p>
+          </p:txBody>
+        </p:sp>
+        <p:sp>
+          <p:nvSpPr>
+            <p:cNvPr id="13" name="Line Callout 2 (Accent Bar) 12"/>
+            <p:cNvSpPr/>
+            <p:nvPr/>
+          </p:nvSpPr>
+          <p:spPr>
+            <a:xfrm>
+              <a:off x="5992861" y="2143495"/>
+              <a:ext cx="1049205" cy="605642"/>
+            </a:xfrm>
+            <a:prstGeom prst="accentCallout2">
+              <a:avLst>
+                <a:gd name="adj1" fmla="val 18750"/>
+                <a:gd name="adj2" fmla="val -8333"/>
+                <a:gd name="adj3" fmla="val 18750"/>
+                <a:gd name="adj4" fmla="val -16667"/>
+                <a:gd name="adj5" fmla="val -8266"/>
+                <a:gd name="adj6" fmla="val -40234"/>
+              </a:avLst>
+            </a:prstGeom>
+            <a:noFill/>
+            <a:ln w="12700">
+              <a:solidFill>
+                <a:schemeClr val="accent3"/>
+              </a:solidFill>
+              <a:prstDash val="dashDot"/>
+            </a:ln>
+          </p:spPr>
+          <p:style>
+            <a:lnRef idx="2">
+              <a:schemeClr val="accent1">
+                <a:shade val="50000"/>
+              </a:schemeClr>
+            </a:lnRef>
+            <a:fillRef idx="1">
+              <a:schemeClr val="accent1"/>
+            </a:fillRef>
+            <a:effectRef idx="0">
+              <a:schemeClr val="accent1"/>
+            </a:effectRef>
+            <a:fontRef idx="minor">
+              <a:schemeClr val="lt1"/>
+            </a:fontRef>
+          </p:style>
+          <p:txBody>
+            <a:bodyPr rtlCol="0" anchor="ctr"/>
+            <a:lstStyle/>
+            <a:p>
+              <a:r>
+                <a:rPr lang="en-US" sz="1400" dirty="0" smtClean="0">
+                  <a:solidFill>
+                    <a:schemeClr val="accent3"/>
+                  </a:solidFill>
+                </a:rPr>
+                <a:t>1</a:t>
+              </a:r>
+              <a:r>
+                <a:rPr lang="en-US" sz="1400" baseline="30000" dirty="0" smtClean="0">
+                  <a:solidFill>
+                    <a:schemeClr val="accent3"/>
+                  </a:solidFill>
+                </a:rPr>
+                <a:t>st</a:t>
+              </a:r>
+              <a:r>
+                <a:rPr lang="en-US" sz="1400" dirty="0" smtClean="0">
+                  <a:solidFill>
+                    <a:schemeClr val="accent3"/>
+                  </a:solidFill>
+                </a:rPr>
+                <a:t> Principle Component Axis</a:t>
+              </a:r>
+              <a:endParaRPr lang="en-US" sz="1400" dirty="0">
+                <a:solidFill>
+                  <a:schemeClr val="accent3"/>
+                </a:solidFill>
+              </a:endParaRPr>
+            </a:p>
+          </p:txBody>
+        </p:sp>
+      </p:grpSp>
+    </p:spTree>
+    <p:extLst>
+      <p:ext uri="{BB962C8B-B14F-4D97-AF65-F5344CB8AC3E}">
+        <p14:creationId xmlns:p14="http://schemas.microsoft.com/office/powerpoint/2010/main" val="2631008800"/>
+      </p:ext>
+    </p:extLst>
+  </p:cSld>
+  <p:clrMapOvr>
+    <a:masterClrMapping/>
+  </p:clrMapOvr>
+</p:sld>
+</file>
+
+<file path=ppt/slides/slide4.xml><?xml version="1.0" encoding="utf-8"?>
+<p:sld xmlns:a="http://schemas.openxmlformats.org/drawingml/2006/main" xmlns:r="http://schemas.openxmlformats.org/officeDocument/2006/relationships" xmlns:p="http://schemas.openxmlformats.org/presentationml/2006/main">
+  <p:cSld>
+    <p:spTree>
+      <p:nvGrpSpPr>
+        <p:cNvPr id="1" name=""/>
+        <p:cNvGrpSpPr/>
+        <p:nvPr/>
+      </p:nvGrpSpPr>
+      <p:grpSpPr>
+        <a:xfrm>
+          <a:off x="0" y="0"/>
+          <a:ext cx="0" cy="0"/>
+          <a:chOff x="0" y="0"/>
+          <a:chExt cx="0" cy="0"/>
+        </a:xfrm>
+      </p:grpSpPr>
+      <p:grpSp>
+        <p:nvGrpSpPr>
+          <p:cNvPr id="2" name="Group 1"/>
+          <p:cNvGrpSpPr/>
+          <p:nvPr/>
+        </p:nvGrpSpPr>
+        <p:grpSpPr>
+          <a:xfrm>
+            <a:off x="2257856" y="1504737"/>
+            <a:ext cx="4572000" cy="3482411"/>
+            <a:chOff x="2257856" y="1504737"/>
+            <a:chExt cx="4572000" cy="3482411"/>
+          </a:xfrm>
+        </p:grpSpPr>
+        <p:pic>
+          <p:nvPicPr>
+            <p:cNvPr id="4101" name="Picture 5" descr="C:\Users\WILLDA~1\AppData\Local\Temp\VMwareDnD\5d66e4f9\GalDenVsHSTWL_pzpen_delxPC.png"/>
+            <p:cNvPicPr>
+              <a:picLocks noChangeAspect="1" noChangeArrowheads="1"/>
+            </p:cNvPicPr>
+            <p:nvPr/>
+          </p:nvPicPr>
+          <p:blipFill>
+            <a:blip r:embed="rId2">
+              <a:extLst>
+                <a:ext uri="{28A0092B-C50C-407E-A947-70E740481C1C}">
+                  <a14:useLocalDpi xmlns:a14="http://schemas.microsoft.com/office/drawing/2010/main" val="0"/>
+                </a:ext>
+              </a:extLst>
+            </a:blip>
+            <a:srcRect/>
+            <a:stretch>
+              <a:fillRect/>
+            </a:stretch>
+          </p:blipFill>
+          <p:spPr bwMode="auto">
+            <a:xfrm>
+              <a:off x="2257856" y="1504737"/>
+              <a:ext cx="4572000" cy="3482411"/>
+            </a:xfrm>
+            <a:prstGeom prst="rect">
+              <a:avLst/>
+            </a:prstGeom>
+            <a:noFill/>
+            <a:extLst>
+              <a:ext uri="{909E8E84-426E-40DD-AFC4-6F175D3DCCD1}">
+                <a14:hiddenFill xmlns:a14="http://schemas.microsoft.com/office/drawing/2010/main">
+                  <a:solidFill>
+                    <a:srgbClr val="FFFFFF"/>
+                  </a:solidFill>
+                </a14:hiddenFill>
+              </a:ext>
+            </a:extLst>
+          </p:spPr>
+        </p:pic>
+        <p:sp>
+          <p:nvSpPr>
+            <p:cNvPr id="4" name="TextBox 3"/>
+            <p:cNvSpPr txBox="1"/>
+            <p:nvPr/>
+          </p:nvSpPr>
+          <p:spPr>
+            <a:xfrm>
+              <a:off x="2743200" y="3883232"/>
+              <a:ext cx="946991" cy="523220"/>
+            </a:xfrm>
+            <a:prstGeom prst="rect">
+              <a:avLst/>
+            </a:prstGeom>
+            <a:noFill/>
+          </p:spPr>
+          <p:txBody>
+            <a:bodyPr wrap="none" rtlCol="0">
+              <a:spAutoFit/>
+            </a:bodyPr>
+            <a:lstStyle/>
+            <a:p>
+              <a:r>
+                <a:rPr lang="en-US" sz="1400" dirty="0" smtClean="0"/>
+                <a:t>Southern</a:t>
+              </a:r>
+            </a:p>
+            <a:p>
+              <a:r>
+                <a:rPr lang="en-US" sz="1400" dirty="0" smtClean="0"/>
+                <a:t>Subcluster</a:t>
+              </a:r>
+              <a:endParaRPr lang="en-US" sz="1400" dirty="0"/>
+            </a:p>
+          </p:txBody>
+        </p:sp>
+      </p:grpSp>
+    </p:spTree>
+    <p:extLst>
+      <p:ext uri="{BB962C8B-B14F-4D97-AF65-F5344CB8AC3E}">
+        <p14:creationId xmlns:p14="http://schemas.microsoft.com/office/powerpoint/2010/main" val="1451498121"/>
+      </p:ext>
+    </p:extLst>
+  </p:cSld>
+  <p:clrMapOvr>
+    <a:masterClrMapping/>
+  </p:clrMapOvr>
+</p:sld>
+</file>
+
+<file path=ppt/slides/slide5.xml><?xml version="1.0" encoding="utf-8"?>
+<p:sld xmlns:a="http://schemas.openxmlformats.org/drawingml/2006/main" xmlns:r="http://schemas.openxmlformats.org/officeDocument/2006/relationships" xmlns:p="http://schemas.openxmlformats.org/presentationml/2006/main">
+  <p:cSld>
+    <p:spTree>
+      <p:nvGrpSpPr>
+        <p:cNvPr id="1" name=""/>
+        <p:cNvGrpSpPr/>
+        <p:nvPr/>
+      </p:nvGrpSpPr>
+      <p:grpSpPr>
+        <a:xfrm>
+          <a:off x="0" y="0"/>
+          <a:ext cx="0" cy="0"/>
+          <a:chOff x="0" y="0"/>
+          <a:chExt cx="0" cy="0"/>
+        </a:xfrm>
+      </p:grpSpPr>
+      <p:grpSp>
+        <p:nvGrpSpPr>
+          <p:cNvPr id="2" name="Group 1"/>
+          <p:cNvGrpSpPr/>
+          <p:nvPr/>
+        </p:nvGrpSpPr>
+        <p:grpSpPr>
+          <a:xfrm>
+            <a:off x="1837110" y="1581098"/>
+            <a:ext cx="4572000" cy="3507581"/>
+            <a:chOff x="1837110" y="1581098"/>
+            <a:chExt cx="4572000" cy="3507581"/>
+          </a:xfrm>
+        </p:grpSpPr>
+        <p:pic>
+          <p:nvPicPr>
+            <p:cNvPr id="5124" name="Picture 4" descr="C:\Users\WILLDA~1\AppData\Local\Temp\VMwareDnD\4f64d297\GalDenVsHSTWL_pzpen_delxPC_north_mergeraxis.png"/>
+            <p:cNvPicPr>
+              <a:picLocks noChangeAspect="1" noChangeArrowheads="1"/>
+            </p:cNvPicPr>
+            <p:nvPr/>
+          </p:nvPicPr>
+          <p:blipFill>
+            <a:blip r:embed="rId2">
+              <a:extLst>
+                <a:ext uri="{28A0092B-C50C-407E-A947-70E740481C1C}">
+                  <a14:useLocalDpi xmlns:a14="http://schemas.microsoft.com/office/drawing/2010/main" val="0"/>
+                </a:ext>
+              </a:extLst>
+            </a:blip>
+            <a:srcRect/>
+            <a:stretch>
+              <a:fillRect/>
+            </a:stretch>
+          </p:blipFill>
+          <p:spPr bwMode="auto">
+            <a:xfrm>
+              <a:off x="1837110" y="1581098"/>
+              <a:ext cx="4572000" cy="3507581"/>
+            </a:xfrm>
+            <a:prstGeom prst="rect">
+              <a:avLst/>
+            </a:prstGeom>
+            <a:noFill/>
+            <a:extLst>
+              <a:ext uri="{909E8E84-426E-40DD-AFC4-6F175D3DCCD1}">
+                <a14:hiddenFill xmlns:a14="http://schemas.microsoft.com/office/drawing/2010/main">
+                  <a:solidFill>
+                    <a:srgbClr val="FFFFFF"/>
+                  </a:solidFill>
+                </a14:hiddenFill>
+              </a:ext>
+            </a:extLst>
+          </p:spPr>
+        </p:pic>
+        <p:sp>
+          <p:nvSpPr>
+            <p:cNvPr id="3" name="TextBox 2"/>
+            <p:cNvSpPr txBox="1"/>
+            <p:nvPr/>
+          </p:nvSpPr>
+          <p:spPr>
+            <a:xfrm>
+              <a:off x="5147954" y="1929741"/>
+              <a:ext cx="946991" cy="523220"/>
+            </a:xfrm>
+            <a:prstGeom prst="rect">
+              <a:avLst/>
+            </a:prstGeom>
+            <a:noFill/>
+          </p:spPr>
+          <p:txBody>
+            <a:bodyPr wrap="none" rtlCol="0">
+              <a:spAutoFit/>
+            </a:bodyPr>
+            <a:lstStyle/>
+            <a:p>
+              <a:r>
+                <a:rPr lang="en-US" sz="1400" dirty="0" smtClean="0"/>
+                <a:t>Northern</a:t>
+              </a:r>
+            </a:p>
+            <a:p>
+              <a:pPr algn="r"/>
+              <a:r>
+                <a:rPr lang="en-US" sz="1400" dirty="0" smtClean="0"/>
+                <a:t>Subcluster</a:t>
+              </a:r>
+              <a:endParaRPr lang="en-US" sz="1400" dirty="0"/>
+            </a:p>
+          </p:txBody>
+        </p:sp>
+      </p:grpSp>
+    </p:spTree>
+    <p:extLst>
+      <p:ext uri="{BB962C8B-B14F-4D97-AF65-F5344CB8AC3E}">
+        <p14:creationId xmlns:p14="http://schemas.microsoft.com/office/powerpoint/2010/main" val="1033860564"/>
+      </p:ext>
+    </p:extLst>
+  </p:cSld>
+  <p:clrMapOvr>
+    <a:masterClrMapping/>
+  </p:clrMapOvr>
+</p:sld>
+</file>
+
 <file path=ppt/theme/theme1.xml><?xml version="1.0" encoding="utf-8"?>
 <a:theme xmlns:a="http://schemas.openxmlformats.org/drawingml/2006/main" name="Office Theme">
   <a:themeElements>

--- a/Chapter4/AnalysisFiles/Reformatted Figures.pptx
+++ b/Chapter4/AnalysisFiles/Reformatted Figures.pptx
@@ -3255,7 +3255,7 @@
       </p:grpSpPr>
       <p:grpSp>
         <p:nvGrpSpPr>
-          <p:cNvPr id="2" name="Group 1"/>
+          <p:cNvPr id="7" name="Group 6"/>
           <p:cNvGrpSpPr/>
           <p:nvPr/>
         </p:nvGrpSpPr>
@@ -3267,103 +3267,307 @@
             <a:chExt cx="5486400" cy="4167635"/>
           </a:xfrm>
         </p:grpSpPr>
-        <p:pic>
-          <p:nvPicPr>
-            <p:cNvPr id="2050" name="Picture 2" descr="C:\Users\WILLDA~1\AppData\Local\Temp\VMwareDnD\9110b323\northcentroids_histplot2d.png"/>
-            <p:cNvPicPr>
-              <a:picLocks noChangeAspect="1" noChangeArrowheads="1"/>
-            </p:cNvPicPr>
+        <p:grpSp>
+          <p:nvGrpSpPr>
+            <p:cNvPr id="2" name="Group 1"/>
+            <p:cNvGrpSpPr/>
             <p:nvPr/>
-          </p:nvPicPr>
-          <p:blipFill>
-            <a:blip r:embed="rId2">
-              <a:extLst>
-                <a:ext uri="{28A0092B-C50C-407E-A947-70E740481C1C}">
-                  <a14:useLocalDpi xmlns:a14="http://schemas.microsoft.com/office/drawing/2010/main" val="0"/>
-                </a:ext>
-              </a:extLst>
-            </a:blip>
-            <a:srcRect/>
-            <a:stretch>
-              <a:fillRect/>
-            </a:stretch>
-          </p:blipFill>
-          <p:spPr bwMode="auto">
+          </p:nvGrpSpPr>
+          <p:grpSpPr>
             <a:xfrm>
               <a:off x="1752031" y="1194323"/>
               <a:ext cx="5486400" cy="4167635"/>
+              <a:chOff x="1752031" y="1194323"/>
+              <a:chExt cx="5486400" cy="4167635"/>
             </a:xfrm>
-            <a:prstGeom prst="rect">
+          </p:grpSpPr>
+          <p:pic>
+            <p:nvPicPr>
+              <p:cNvPr id="2050" name="Picture 2" descr="C:\Users\WILLDA~1\AppData\Local\Temp\VMwareDnD\9110b323\northcentroids_histplot2d.png"/>
+              <p:cNvPicPr>
+                <a:picLocks noChangeAspect="1" noChangeArrowheads="1"/>
+              </p:cNvPicPr>
+              <p:nvPr/>
+            </p:nvPicPr>
+            <p:blipFill>
+              <a:blip r:embed="rId2">
+                <a:extLst>
+                  <a:ext uri="{28A0092B-C50C-407E-A947-70E740481C1C}">
+                    <a14:useLocalDpi xmlns:a14="http://schemas.microsoft.com/office/drawing/2010/main" val="0"/>
+                  </a:ext>
+                </a:extLst>
+              </a:blip>
+              <a:srcRect/>
+              <a:stretch>
+                <a:fillRect/>
+              </a:stretch>
+            </p:blipFill>
+            <p:spPr bwMode="auto">
+              <a:xfrm>
+                <a:off x="1752031" y="1194323"/>
+                <a:ext cx="5486400" cy="4167635"/>
+              </a:xfrm>
+              <a:prstGeom prst="rect">
+                <a:avLst/>
+              </a:prstGeom>
+              <a:noFill/>
+              <a:extLst>
+                <a:ext uri="{909E8E84-426E-40DD-AFC4-6F175D3DCCD1}">
+                  <a14:hiddenFill xmlns:a14="http://schemas.microsoft.com/office/drawing/2010/main">
+                    <a:solidFill>
+                      <a:srgbClr val="FFFFFF"/>
+                    </a:solidFill>
+                  </a14:hiddenFill>
+                </a:ext>
+              </a:extLst>
+            </p:spPr>
+          </p:pic>
+          <p:sp>
+            <p:nvSpPr>
+              <p:cNvPr id="3" name="TextBox 2"/>
+              <p:cNvSpPr txBox="1"/>
+              <p:nvPr/>
+            </p:nvSpPr>
+            <p:spPr>
+              <a:xfrm>
+                <a:off x="5165766" y="4744193"/>
+                <a:ext cx="1872949" cy="338554"/>
+              </a:xfrm>
+              <a:prstGeom prst="rect">
+                <a:avLst/>
+              </a:prstGeom>
+              <a:noFill/>
+            </p:spPr>
+            <p:txBody>
+              <a:bodyPr wrap="none" rtlCol="0">
+                <a:spAutoFit/>
+              </a:bodyPr>
+              <a:lstStyle/>
+              <a:p>
+                <a:r>
+                  <a:rPr lang="en-US" sz="1600" dirty="0" smtClean="0"/>
+                  <a:t>Northern Subcluster</a:t>
+                </a:r>
+                <a:endParaRPr lang="en-US" sz="1600" dirty="0"/>
+              </a:p>
+            </p:txBody>
+          </p:sp>
+          <p:sp>
+            <p:nvSpPr>
+              <p:cNvPr id="5" name="Line Callout 2 (Accent Bar) 4"/>
+              <p:cNvSpPr/>
+              <p:nvPr/>
+            </p:nvSpPr>
+            <p:spPr>
+              <a:xfrm>
+                <a:off x="2489712" y="4077725"/>
+                <a:ext cx="914400" cy="457200"/>
+              </a:xfrm>
+              <a:prstGeom prst="accentCallout2">
+                <a:avLst>
+                  <a:gd name="adj1" fmla="val 18750"/>
+                  <a:gd name="adj2" fmla="val 105100"/>
+                  <a:gd name="adj3" fmla="val 18846"/>
+                  <a:gd name="adj4" fmla="val 113499"/>
+                  <a:gd name="adj5" fmla="val -102398"/>
+                  <a:gd name="adj6" fmla="val 148875"/>
+                </a:avLst>
+              </a:prstGeom>
+              <a:noFill/>
+              <a:ln>
+                <a:solidFill>
+                  <a:schemeClr val="accent2"/>
+                </a:solidFill>
+              </a:ln>
+            </p:spPr>
+            <p:style>
+              <a:lnRef idx="2">
+                <a:schemeClr val="accent1">
+                  <a:shade val="50000"/>
+                </a:schemeClr>
+              </a:lnRef>
+              <a:fillRef idx="1">
+                <a:schemeClr val="accent1"/>
+              </a:fillRef>
+              <a:effectRef idx="0">
+                <a:schemeClr val="accent1"/>
+              </a:effectRef>
+              <a:fontRef idx="minor">
+                <a:schemeClr val="lt1"/>
+              </a:fontRef>
+            </p:style>
+            <p:txBody>
+              <a:bodyPr rtlCol="0" anchor="ctr"/>
+              <a:lstStyle/>
+              <a:p>
+                <a:pPr algn="r"/>
+                <a:r>
+                  <a:rPr lang="en-US" sz="1600" dirty="0" smtClean="0">
+                    <a:solidFill>
+                      <a:schemeClr val="accent2"/>
+                    </a:solidFill>
+                  </a:rPr>
+                  <a:t>Galaxy</a:t>
+                </a:r>
+              </a:p>
+              <a:p>
+                <a:pPr algn="r"/>
+                <a:r>
+                  <a:rPr lang="en-US" sz="1600" dirty="0" smtClean="0">
+                    <a:solidFill>
+                      <a:schemeClr val="accent2"/>
+                    </a:solidFill>
+                  </a:rPr>
+                  <a:t>Centroid</a:t>
+                </a:r>
+                <a:endParaRPr lang="en-US" sz="1600" dirty="0">
+                  <a:solidFill>
+                    <a:schemeClr val="accent2"/>
+                  </a:solidFill>
+                </a:endParaRPr>
+              </a:p>
+            </p:txBody>
+          </p:sp>
+          <p:sp>
+            <p:nvSpPr>
+              <p:cNvPr id="6" name="Line Callout 2 (Accent Bar) 5"/>
+              <p:cNvSpPr/>
+              <p:nvPr/>
+            </p:nvSpPr>
+            <p:spPr>
+              <a:xfrm>
+                <a:off x="2553046" y="1742243"/>
+                <a:ext cx="914400" cy="457200"/>
+              </a:xfrm>
+              <a:prstGeom prst="accentCallout2">
+                <a:avLst>
+                  <a:gd name="adj1" fmla="val 18750"/>
+                  <a:gd name="adj2" fmla="val 105100"/>
+                  <a:gd name="adj3" fmla="val 18846"/>
+                  <a:gd name="adj4" fmla="val 113499"/>
+                  <a:gd name="adj5" fmla="val 178445"/>
+                  <a:gd name="adj6" fmla="val 174199"/>
+                </a:avLst>
+              </a:prstGeom>
+              <a:noFill/>
+              <a:ln>
+                <a:solidFill>
+                  <a:schemeClr val="accent1"/>
+                </a:solidFill>
+              </a:ln>
+            </p:spPr>
+            <p:style>
+              <a:lnRef idx="2">
+                <a:schemeClr val="accent1">
+                  <a:shade val="50000"/>
+                </a:schemeClr>
+              </a:lnRef>
+              <a:fillRef idx="1">
+                <a:schemeClr val="accent1"/>
+              </a:fillRef>
+              <a:effectRef idx="0">
+                <a:schemeClr val="accent1"/>
+              </a:effectRef>
+              <a:fontRef idx="minor">
+                <a:schemeClr val="lt1"/>
+              </a:fontRef>
+            </p:style>
+            <p:txBody>
+              <a:bodyPr rtlCol="0" anchor="ctr"/>
+              <a:lstStyle/>
+              <a:p>
+                <a:pPr algn="r"/>
+                <a:r>
+                  <a:rPr lang="en-US" sz="1600" dirty="0" smtClean="0">
+                    <a:solidFill>
+                      <a:schemeClr val="accent1"/>
+                    </a:solidFill>
+                  </a:rPr>
+                  <a:t>Lensing</a:t>
+                </a:r>
+              </a:p>
+              <a:p>
+                <a:pPr algn="r"/>
+                <a:r>
+                  <a:rPr lang="en-US" sz="1600" dirty="0" smtClean="0">
+                    <a:solidFill>
+                      <a:schemeClr val="accent1"/>
+                    </a:solidFill>
+                  </a:rPr>
+                  <a:t>Centroid</a:t>
+                </a:r>
+                <a:endParaRPr lang="en-US" sz="1600" dirty="0">
+                  <a:solidFill>
+                    <a:schemeClr val="accent1"/>
+                  </a:solidFill>
+                </a:endParaRPr>
+              </a:p>
+            </p:txBody>
+          </p:sp>
+        </p:grpSp>
+        <p:cxnSp>
+          <p:nvCxnSpPr>
+            <p:cNvPr id="8" name="Straight Connector 7"/>
+            <p:cNvCxnSpPr/>
+            <p:nvPr/>
+          </p:nvCxnSpPr>
+          <p:spPr>
+            <a:xfrm flipV="1">
+              <a:off x="3734790" y="1318160"/>
+              <a:ext cx="1453896" cy="3758184"/>
+            </a:xfrm>
+            <a:prstGeom prst="line">
               <a:avLst/>
             </a:prstGeom>
-            <a:noFill/>
-            <a:extLst>
-              <a:ext uri="{909E8E84-426E-40DD-AFC4-6F175D3DCCD1}">
-                <a14:hiddenFill xmlns:a14="http://schemas.microsoft.com/office/drawing/2010/main">
-                  <a:solidFill>
-                    <a:srgbClr val="FFFFFF"/>
-                  </a:solidFill>
-                </a14:hiddenFill>
-              </a:ext>
-            </a:extLst>
+            <a:ln w="19050">
+              <a:solidFill>
+                <a:schemeClr val="accent4"/>
+              </a:solidFill>
+              <a:prstDash val="dash"/>
+            </a:ln>
           </p:spPr>
-        </p:pic>
+          <p:style>
+            <a:lnRef idx="1">
+              <a:schemeClr val="accent1"/>
+            </a:lnRef>
+            <a:fillRef idx="0">
+              <a:schemeClr val="accent1"/>
+            </a:fillRef>
+            <a:effectRef idx="0">
+              <a:schemeClr val="accent1"/>
+            </a:effectRef>
+            <a:fontRef idx="minor">
+              <a:schemeClr val="tx1"/>
+            </a:fontRef>
+          </p:style>
+        </p:cxnSp>
         <p:sp>
           <p:nvSpPr>
-            <p:cNvPr id="3" name="TextBox 2"/>
-            <p:cNvSpPr txBox="1"/>
-            <p:nvPr/>
-          </p:nvSpPr>
-          <p:spPr>
-            <a:xfrm>
-              <a:off x="5165766" y="4744193"/>
-              <a:ext cx="1872949" cy="338554"/>
-            </a:xfrm>
-            <a:prstGeom prst="rect">
-              <a:avLst/>
-            </a:prstGeom>
-            <a:noFill/>
-          </p:spPr>
-          <p:txBody>
-            <a:bodyPr wrap="none" rtlCol="0">
-              <a:spAutoFit/>
-            </a:bodyPr>
-            <a:lstStyle/>
-            <a:p>
-              <a:r>
-                <a:rPr lang="en-US" sz="1600" dirty="0" smtClean="0"/>
-                <a:t>Northern Subcluster</a:t>
-              </a:r>
-              <a:endParaRPr lang="en-US" sz="1600" dirty="0"/>
-            </a:p>
-          </p:txBody>
-        </p:sp>
-        <p:sp>
-          <p:nvSpPr>
-            <p:cNvPr id="5" name="Line Callout 2 (Accent Bar) 4"/>
+            <p:cNvPr id="9" name="Line Callout 2 (Accent Bar) 8"/>
             <p:cNvSpPr/>
             <p:nvPr/>
           </p:nvSpPr>
           <p:spPr>
             <a:xfrm>
-              <a:off x="2489712" y="4077725"/>
-              <a:ext cx="914400" cy="457200"/>
+              <a:off x="3420093" y="1385985"/>
+              <a:ext cx="1288326" cy="245660"/>
             </a:xfrm>
             <a:prstGeom prst="accentCallout2">
               <a:avLst>
                 <a:gd name="adj1" fmla="val 18750"/>
-                <a:gd name="adj2" fmla="val 105100"/>
+                <a:gd name="adj2" fmla="val 100491"/>
                 <a:gd name="adj3" fmla="val 18846"/>
-                <a:gd name="adj4" fmla="val 113499"/>
-                <a:gd name="adj5" fmla="val -102398"/>
-                <a:gd name="adj6" fmla="val 148875"/>
+                <a:gd name="adj4" fmla="val 108429"/>
+                <a:gd name="adj5" fmla="val 67659"/>
+                <a:gd name="adj6" fmla="val 129369"/>
               </a:avLst>
             </a:prstGeom>
             <a:noFill/>
-            <a:ln>
+            <a:ln w="12700">
               <a:solidFill>
-                <a:schemeClr val="accent2"/>
+                <a:schemeClr val="accent4"/>
               </a:solidFill>
+              <a:prstDash val="dash"/>
             </a:ln>
           </p:spPr>
           <p:style>
@@ -3388,211 +3592,22 @@
             <a:p>
               <a:pPr algn="r"/>
               <a:r>
-                <a:rPr lang="en-US" sz="1600" dirty="0" smtClean="0">
+                <a:rPr lang="en-US" sz="1400" dirty="0" smtClean="0">
                   <a:solidFill>
-                    <a:schemeClr val="accent2"/>
+                    <a:schemeClr val="accent4"/>
                   </a:solidFill>
                 </a:rPr>
-                <a:t>Galaxy</a:t>
+                <a:t>Merger Axis</a:t>
               </a:r>
-            </a:p>
-            <a:p>
-              <a:pPr algn="r"/>
-              <a:r>
-                <a:rPr lang="en-US" sz="1600" dirty="0" smtClean="0">
-                  <a:solidFill>
-                    <a:schemeClr val="accent2"/>
-                  </a:solidFill>
-                </a:rPr>
-                <a:t>Centroid</a:t>
-              </a:r>
-              <a:endParaRPr lang="en-US" sz="1600" dirty="0">
+              <a:endParaRPr lang="en-US" sz="1400" dirty="0">
                 <a:solidFill>
-                  <a:schemeClr val="accent2"/>
-                </a:solidFill>
-              </a:endParaRPr>
-            </a:p>
-          </p:txBody>
-        </p:sp>
-        <p:sp>
-          <p:nvSpPr>
-            <p:cNvPr id="6" name="Line Callout 2 (Accent Bar) 5"/>
-            <p:cNvSpPr/>
-            <p:nvPr/>
-          </p:nvSpPr>
-          <p:spPr>
-            <a:xfrm>
-              <a:off x="2553046" y="1742243"/>
-              <a:ext cx="914400" cy="457200"/>
-            </a:xfrm>
-            <a:prstGeom prst="accentCallout2">
-              <a:avLst>
-                <a:gd name="adj1" fmla="val 18750"/>
-                <a:gd name="adj2" fmla="val 105100"/>
-                <a:gd name="adj3" fmla="val 18846"/>
-                <a:gd name="adj4" fmla="val 113499"/>
-                <a:gd name="adj5" fmla="val 178445"/>
-                <a:gd name="adj6" fmla="val 174199"/>
-              </a:avLst>
-            </a:prstGeom>
-            <a:noFill/>
-            <a:ln>
-              <a:solidFill>
-                <a:schemeClr val="accent1"/>
-              </a:solidFill>
-            </a:ln>
-          </p:spPr>
-          <p:style>
-            <a:lnRef idx="2">
-              <a:schemeClr val="accent1">
-                <a:shade val="50000"/>
-              </a:schemeClr>
-            </a:lnRef>
-            <a:fillRef idx="1">
-              <a:schemeClr val="accent1"/>
-            </a:fillRef>
-            <a:effectRef idx="0">
-              <a:schemeClr val="accent1"/>
-            </a:effectRef>
-            <a:fontRef idx="minor">
-              <a:schemeClr val="lt1"/>
-            </a:fontRef>
-          </p:style>
-          <p:txBody>
-            <a:bodyPr rtlCol="0" anchor="ctr"/>
-            <a:lstStyle/>
-            <a:p>
-              <a:pPr algn="r"/>
-              <a:r>
-                <a:rPr lang="en-US" sz="1600" dirty="0" smtClean="0">
-                  <a:solidFill>
-                    <a:schemeClr val="accent1"/>
-                  </a:solidFill>
-                </a:rPr>
-                <a:t>Lensing</a:t>
-              </a:r>
-            </a:p>
-            <a:p>
-              <a:pPr algn="r"/>
-              <a:r>
-                <a:rPr lang="en-US" sz="1600" dirty="0" smtClean="0">
-                  <a:solidFill>
-                    <a:schemeClr val="accent1"/>
-                  </a:solidFill>
-                </a:rPr>
-                <a:t>Centroid</a:t>
-              </a:r>
-              <a:endParaRPr lang="en-US" sz="1600" dirty="0">
-                <a:solidFill>
-                  <a:schemeClr val="accent1"/>
+                  <a:schemeClr val="accent4"/>
                 </a:solidFill>
               </a:endParaRPr>
             </a:p>
           </p:txBody>
         </p:sp>
       </p:grpSp>
-      <p:cxnSp>
-        <p:nvCxnSpPr>
-          <p:cNvPr id="8" name="Straight Connector 7"/>
-          <p:cNvCxnSpPr/>
-          <p:nvPr/>
-        </p:nvCxnSpPr>
-        <p:spPr>
-          <a:xfrm flipV="1">
-            <a:off x="3734790" y="1318160"/>
-            <a:ext cx="1453896" cy="3758184"/>
-          </a:xfrm>
-          <a:prstGeom prst="line">
-            <a:avLst/>
-          </a:prstGeom>
-          <a:ln w="19050">
-            <a:solidFill>
-              <a:schemeClr val="accent4"/>
-            </a:solidFill>
-            <a:prstDash val="dash"/>
-          </a:ln>
-        </p:spPr>
-        <p:style>
-          <a:lnRef idx="1">
-            <a:schemeClr val="accent1"/>
-          </a:lnRef>
-          <a:fillRef idx="0">
-            <a:schemeClr val="accent1"/>
-          </a:fillRef>
-          <a:effectRef idx="0">
-            <a:schemeClr val="accent1"/>
-          </a:effectRef>
-          <a:fontRef idx="minor">
-            <a:schemeClr val="tx1"/>
-          </a:fontRef>
-        </p:style>
-      </p:cxnSp>
-      <p:sp>
-        <p:nvSpPr>
-          <p:cNvPr id="9" name="Line Callout 2 (Accent Bar) 8"/>
-          <p:cNvSpPr/>
-          <p:nvPr/>
-        </p:nvSpPr>
-        <p:spPr>
-          <a:xfrm>
-            <a:off x="3420093" y="1385985"/>
-            <a:ext cx="1288326" cy="245660"/>
-          </a:xfrm>
-          <a:prstGeom prst="accentCallout2">
-            <a:avLst>
-              <a:gd name="adj1" fmla="val 18750"/>
-              <a:gd name="adj2" fmla="val 100491"/>
-              <a:gd name="adj3" fmla="val 18846"/>
-              <a:gd name="adj4" fmla="val 108429"/>
-              <a:gd name="adj5" fmla="val 67659"/>
-              <a:gd name="adj6" fmla="val 129369"/>
-            </a:avLst>
-          </a:prstGeom>
-          <a:noFill/>
-          <a:ln w="12700">
-            <a:solidFill>
-              <a:schemeClr val="accent4"/>
-            </a:solidFill>
-            <a:prstDash val="dash"/>
-          </a:ln>
-        </p:spPr>
-        <p:style>
-          <a:lnRef idx="2">
-            <a:schemeClr val="accent1">
-              <a:shade val="50000"/>
-            </a:schemeClr>
-          </a:lnRef>
-          <a:fillRef idx="1">
-            <a:schemeClr val="accent1"/>
-          </a:fillRef>
-          <a:effectRef idx="0">
-            <a:schemeClr val="accent1"/>
-          </a:effectRef>
-          <a:fontRef idx="minor">
-            <a:schemeClr val="lt1"/>
-          </a:fontRef>
-        </p:style>
-        <p:txBody>
-          <a:bodyPr rtlCol="0" anchor="ctr"/>
-          <a:lstStyle/>
-          <a:p>
-            <a:pPr algn="r"/>
-            <a:r>
-              <a:rPr lang="en-US" sz="1400" dirty="0" smtClean="0">
-                <a:solidFill>
-                  <a:schemeClr val="accent4"/>
-                </a:solidFill>
-              </a:rPr>
-              <a:t>Merger Axis</a:t>
-            </a:r>
-            <a:endParaRPr lang="en-US" sz="1400" dirty="0">
-              <a:solidFill>
-                <a:schemeClr val="accent4"/>
-              </a:solidFill>
-            </a:endParaRPr>
-          </a:p>
-        </p:txBody>
-      </p:sp>
     </p:spTree>
     <p:extLst>
       <p:ext uri="{BB962C8B-B14F-4D97-AF65-F5344CB8AC3E}">

--- a/Chapter4/AnalysisFiles/Reformatted Figures.pptx
+++ b/Chapter4/AnalysisFiles/Reformatted Figures.pptx
@@ -6,10 +6,11 @@
   </p:sldMasterIdLst>
   <p:sldIdLst>
     <p:sldId id="256" r:id="rId2"/>
-    <p:sldId id="257" r:id="rId3"/>
-    <p:sldId id="258" r:id="rId4"/>
-    <p:sldId id="259" r:id="rId5"/>
-    <p:sldId id="260" r:id="rId6"/>
+    <p:sldId id="261" r:id="rId3"/>
+    <p:sldId id="257" r:id="rId4"/>
+    <p:sldId id="258" r:id="rId5"/>
+    <p:sldId id="259" r:id="rId6"/>
+    <p:sldId id="260" r:id="rId7"/>
   </p:sldIdLst>
   <p:sldSz cx="9144000" cy="6858000" type="screen4x3"/>
   <p:notesSz cx="6858000" cy="9144000"/>
@@ -292,7 +293,7 @@
           <a:p>
             <a:fld id="{6BED7B28-07E3-435C-93B6-8F423A08B503}" type="datetimeFigureOut">
               <a:rPr lang="en-US" smtClean="0"/>
-              <a:t>8/15/2013</a:t>
+              <a:t>8/16/2013</a:t>
             </a:fld>
             <a:endParaRPr lang="en-US"/>
           </a:p>
@@ -462,7 +463,7 @@
           <a:p>
             <a:fld id="{6BED7B28-07E3-435C-93B6-8F423A08B503}" type="datetimeFigureOut">
               <a:rPr lang="en-US" smtClean="0"/>
-              <a:t>8/15/2013</a:t>
+              <a:t>8/16/2013</a:t>
             </a:fld>
             <a:endParaRPr lang="en-US"/>
           </a:p>
@@ -642,7 +643,7 @@
           <a:p>
             <a:fld id="{6BED7B28-07E3-435C-93B6-8F423A08B503}" type="datetimeFigureOut">
               <a:rPr lang="en-US" smtClean="0"/>
-              <a:t>8/15/2013</a:t>
+              <a:t>8/16/2013</a:t>
             </a:fld>
             <a:endParaRPr lang="en-US"/>
           </a:p>
@@ -812,7 +813,7 @@
           <a:p>
             <a:fld id="{6BED7B28-07E3-435C-93B6-8F423A08B503}" type="datetimeFigureOut">
               <a:rPr lang="en-US" smtClean="0"/>
-              <a:t>8/15/2013</a:t>
+              <a:t>8/16/2013</a:t>
             </a:fld>
             <a:endParaRPr lang="en-US"/>
           </a:p>
@@ -1058,7 +1059,7 @@
           <a:p>
             <a:fld id="{6BED7B28-07E3-435C-93B6-8F423A08B503}" type="datetimeFigureOut">
               <a:rPr lang="en-US" smtClean="0"/>
-              <a:t>8/15/2013</a:t>
+              <a:t>8/16/2013</a:t>
             </a:fld>
             <a:endParaRPr lang="en-US"/>
           </a:p>
@@ -1346,7 +1347,7 @@
           <a:p>
             <a:fld id="{6BED7B28-07E3-435C-93B6-8F423A08B503}" type="datetimeFigureOut">
               <a:rPr lang="en-US" smtClean="0"/>
-              <a:t>8/15/2013</a:t>
+              <a:t>8/16/2013</a:t>
             </a:fld>
             <a:endParaRPr lang="en-US"/>
           </a:p>
@@ -1768,7 +1769,7 @@
           <a:p>
             <a:fld id="{6BED7B28-07E3-435C-93B6-8F423A08B503}" type="datetimeFigureOut">
               <a:rPr lang="en-US" smtClean="0"/>
-              <a:t>8/15/2013</a:t>
+              <a:t>8/16/2013</a:t>
             </a:fld>
             <a:endParaRPr lang="en-US"/>
           </a:p>
@@ -1886,7 +1887,7 @@
           <a:p>
             <a:fld id="{6BED7B28-07E3-435C-93B6-8F423A08B503}" type="datetimeFigureOut">
               <a:rPr lang="en-US" smtClean="0"/>
-              <a:t>8/15/2013</a:t>
+              <a:t>8/16/2013</a:t>
             </a:fld>
             <a:endParaRPr lang="en-US"/>
           </a:p>
@@ -1981,7 +1982,7 @@
           <a:p>
             <a:fld id="{6BED7B28-07E3-435C-93B6-8F423A08B503}" type="datetimeFigureOut">
               <a:rPr lang="en-US" smtClean="0"/>
-              <a:t>8/15/2013</a:t>
+              <a:t>8/16/2013</a:t>
             </a:fld>
             <a:endParaRPr lang="en-US"/>
           </a:p>
@@ -2258,7 +2259,7 @@
           <a:p>
             <a:fld id="{6BED7B28-07E3-435C-93B6-8F423A08B503}" type="datetimeFigureOut">
               <a:rPr lang="en-US" smtClean="0"/>
-              <a:t>8/15/2013</a:t>
+              <a:t>8/16/2013</a:t>
             </a:fld>
             <a:endParaRPr lang="en-US"/>
           </a:p>
@@ -2511,7 +2512,7 @@
           <a:p>
             <a:fld id="{6BED7B28-07E3-435C-93B6-8F423A08B503}" type="datetimeFigureOut">
               <a:rPr lang="en-US" smtClean="0"/>
-              <a:t>8/15/2013</a:t>
+              <a:t>8/16/2013</a:t>
             </a:fld>
             <a:endParaRPr lang="en-US"/>
           </a:p>
@@ -2724,7 +2725,7 @@
           <a:p>
             <a:fld id="{6BED7B28-07E3-435C-93B6-8F423A08B503}" type="datetimeFigureOut">
               <a:rPr lang="en-US" smtClean="0"/>
-              <a:t>8/15/2013</a:t>
+              <a:t>8/16/2013</a:t>
             </a:fld>
             <a:endParaRPr lang="en-US"/>
           </a:p>
@@ -3255,6 +3256,212 @@
       </p:grpSpPr>
       <p:grpSp>
         <p:nvGrpSpPr>
+          <p:cNvPr id="5" name="Group 4"/>
+          <p:cNvGrpSpPr/>
+          <p:nvPr/>
+        </p:nvGrpSpPr>
+        <p:grpSpPr>
+          <a:xfrm>
+            <a:off x="2411626" y="1104407"/>
+            <a:ext cx="4832322" cy="4476331"/>
+            <a:chOff x="2411626" y="1104407"/>
+            <a:chExt cx="4832322" cy="4476331"/>
+          </a:xfrm>
+        </p:grpSpPr>
+        <p:pic>
+          <p:nvPicPr>
+            <p:cNvPr id="1027" name="Picture 3" descr="C:\Users\WILLDA~1\AppData\Local\Temp\VMwareDnD\9a81e5ec\XrayMapwithCentNReg.png"/>
+            <p:cNvPicPr>
+              <a:picLocks noChangeAspect="1" noChangeArrowheads="1"/>
+            </p:cNvPicPr>
+            <p:nvPr/>
+          </p:nvPicPr>
+          <p:blipFill>
+            <a:blip r:embed="rId2">
+              <a:extLst>
+                <a:ext uri="{28A0092B-C50C-407E-A947-70E740481C1C}">
+                  <a14:useLocalDpi xmlns:a14="http://schemas.microsoft.com/office/drawing/2010/main" val="0"/>
+                </a:ext>
+              </a:extLst>
+            </a:blip>
+            <a:srcRect/>
+            <a:stretch>
+              <a:fillRect/>
+            </a:stretch>
+          </p:blipFill>
+          <p:spPr bwMode="auto">
+            <a:xfrm>
+              <a:off x="2411626" y="1104407"/>
+              <a:ext cx="4572000" cy="4476331"/>
+            </a:xfrm>
+            <a:prstGeom prst="rect">
+              <a:avLst/>
+            </a:prstGeom>
+            <a:noFill/>
+            <a:extLst>
+              <a:ext uri="{909E8E84-426E-40DD-AFC4-6F175D3DCCD1}">
+                <a14:hiddenFill xmlns:a14="http://schemas.microsoft.com/office/drawing/2010/main">
+                  <a:solidFill>
+                    <a:srgbClr val="FFFFFF"/>
+                  </a:solidFill>
+                </a14:hiddenFill>
+              </a:ext>
+            </a:extLst>
+          </p:spPr>
+        </p:pic>
+        <p:sp>
+          <p:nvSpPr>
+            <p:cNvPr id="2" name="Line Callout 2 (Accent Bar) 1"/>
+            <p:cNvSpPr/>
+            <p:nvPr/>
+          </p:nvSpPr>
+          <p:spPr>
+            <a:xfrm>
+              <a:off x="5468587" y="2196934"/>
+              <a:ext cx="1306285" cy="397823"/>
+            </a:xfrm>
+            <a:prstGeom prst="accentCallout2">
+              <a:avLst>
+                <a:gd name="adj1" fmla="val 18750"/>
+                <a:gd name="adj2" fmla="val -8333"/>
+                <a:gd name="adj3" fmla="val 18750"/>
+                <a:gd name="adj4" fmla="val -16667"/>
+                <a:gd name="adj5" fmla="val 109813"/>
+                <a:gd name="adj6" fmla="val -48430"/>
+              </a:avLst>
+            </a:prstGeom>
+            <a:noFill/>
+            <a:ln>
+              <a:solidFill>
+                <a:srgbClr val="00CC00"/>
+              </a:solidFill>
+            </a:ln>
+          </p:spPr>
+          <p:style>
+            <a:lnRef idx="2">
+              <a:schemeClr val="accent1">
+                <a:shade val="50000"/>
+              </a:schemeClr>
+            </a:lnRef>
+            <a:fillRef idx="1">
+              <a:schemeClr val="accent1"/>
+            </a:fillRef>
+            <a:effectRef idx="0">
+              <a:schemeClr val="accent1"/>
+            </a:effectRef>
+            <a:fontRef idx="minor">
+              <a:schemeClr val="lt1"/>
+            </a:fontRef>
+          </p:style>
+          <p:txBody>
+            <a:bodyPr rtlCol="0" anchor="ctr"/>
+            <a:lstStyle/>
+            <a:p>
+              <a:r>
+                <a:rPr lang="en-US" sz="1400" dirty="0" smtClean="0">
+                  <a:solidFill>
+                    <a:srgbClr val="00CC00"/>
+                  </a:solidFill>
+                </a:rPr>
+                <a:t>Gas centroid analysis region</a:t>
+              </a:r>
+              <a:endParaRPr lang="en-US" sz="1400" dirty="0">
+                <a:solidFill>
+                  <a:srgbClr val="00CC00"/>
+                </a:solidFill>
+              </a:endParaRPr>
+            </a:p>
+          </p:txBody>
+        </p:sp>
+        <p:sp>
+          <p:nvSpPr>
+            <p:cNvPr id="4" name="Line Callout 2 (Accent Bar) 3"/>
+            <p:cNvSpPr/>
+            <p:nvPr/>
+          </p:nvSpPr>
+          <p:spPr>
+            <a:xfrm>
+              <a:off x="5486400" y="3788227"/>
+              <a:ext cx="1757548" cy="368135"/>
+            </a:xfrm>
+            <a:prstGeom prst="accentCallout2">
+              <a:avLst>
+                <a:gd name="adj1" fmla="val 18750"/>
+                <a:gd name="adj2" fmla="val -8333"/>
+                <a:gd name="adj3" fmla="val 18750"/>
+                <a:gd name="adj4" fmla="val -16667"/>
+                <a:gd name="adj5" fmla="val -183318"/>
+                <a:gd name="adj6" fmla="val -61173"/>
+              </a:avLst>
+            </a:prstGeom>
+            <a:noFill/>
+            <a:ln>
+              <a:solidFill>
+                <a:schemeClr val="bg1"/>
+              </a:solidFill>
+            </a:ln>
+          </p:spPr>
+          <p:style>
+            <a:lnRef idx="2">
+              <a:schemeClr val="accent1">
+                <a:shade val="50000"/>
+              </a:schemeClr>
+            </a:lnRef>
+            <a:fillRef idx="1">
+              <a:schemeClr val="accent1"/>
+            </a:fillRef>
+            <a:effectRef idx="0">
+              <a:schemeClr val="accent1"/>
+            </a:effectRef>
+            <a:fontRef idx="minor">
+              <a:schemeClr val="lt1"/>
+            </a:fontRef>
+          </p:style>
+          <p:txBody>
+            <a:bodyPr rtlCol="0" anchor="ctr"/>
+            <a:lstStyle/>
+            <a:p>
+              <a:r>
+                <a:rPr lang="en-US" sz="1400" dirty="0" smtClean="0"/>
+                <a:t>X-ray centroid and confidence limits</a:t>
+              </a:r>
+              <a:endParaRPr lang="en-US" sz="1400" dirty="0"/>
+            </a:p>
+          </p:txBody>
+        </p:sp>
+      </p:grpSp>
+    </p:spTree>
+    <p:extLst>
+      <p:ext uri="{BB962C8B-B14F-4D97-AF65-F5344CB8AC3E}">
+        <p14:creationId xmlns:p14="http://schemas.microsoft.com/office/powerpoint/2010/main" val="1487586363"/>
+      </p:ext>
+    </p:extLst>
+  </p:cSld>
+  <p:clrMapOvr>
+    <a:masterClrMapping/>
+  </p:clrMapOvr>
+</p:sld>
+</file>
+
+<file path=ppt/slides/slide3.xml><?xml version="1.0" encoding="utf-8"?>
+<p:sld xmlns:a="http://schemas.openxmlformats.org/drawingml/2006/main" xmlns:r="http://schemas.openxmlformats.org/officeDocument/2006/relationships" xmlns:p="http://schemas.openxmlformats.org/presentationml/2006/main">
+  <p:cSld>
+    <p:spTree>
+      <p:nvGrpSpPr>
+        <p:cNvPr id="1" name=""/>
+        <p:cNvGrpSpPr/>
+        <p:nvPr/>
+      </p:nvGrpSpPr>
+      <p:grpSpPr>
+        <a:xfrm>
+          <a:off x="0" y="0"/>
+          <a:ext cx="0" cy="0"/>
+          <a:chOff x="0" y="0"/>
+          <a:chExt cx="0" cy="0"/>
+        </a:xfrm>
+      </p:grpSpPr>
+      <p:grpSp>
+        <p:nvGrpSpPr>
           <p:cNvPr id="7" name="Group 6"/>
           <p:cNvGrpSpPr/>
           <p:nvPr/>
@@ -3621,7 +3828,7 @@
 </p:sld>
 </file>
 
-<file path=ppt/slides/slide3.xml><?xml version="1.0" encoding="utf-8"?>
+<file path=ppt/slides/slide4.xml><?xml version="1.0" encoding="utf-8"?>
 <p:sld xmlns:a="http://schemas.openxmlformats.org/drawingml/2006/main" xmlns:r="http://schemas.openxmlformats.org/officeDocument/2006/relationships" xmlns:p="http://schemas.openxmlformats.org/presentationml/2006/main">
   <p:cSld>
     <p:spTree>
@@ -4121,7 +4328,7 @@
 </p:sld>
 </file>
 
-<file path=ppt/slides/slide4.xml><?xml version="1.0" encoding="utf-8"?>
+<file path=ppt/slides/slide5.xml><?xml version="1.0" encoding="utf-8"?>
 <p:sld xmlns:a="http://schemas.openxmlformats.org/drawingml/2006/main" xmlns:r="http://schemas.openxmlformats.org/officeDocument/2006/relationships" xmlns:p="http://schemas.openxmlformats.org/presentationml/2006/main">
   <p:cSld>
     <p:spTree>
@@ -4243,7 +4450,7 @@
 </p:sld>
 </file>
 
-<file path=ppt/slides/slide5.xml><?xml version="1.0" encoding="utf-8"?>
+<file path=ppt/slides/slide6.xml><?xml version="1.0" encoding="utf-8"?>
 <p:sld xmlns:a="http://schemas.openxmlformats.org/drawingml/2006/main" xmlns:r="http://schemas.openxmlformats.org/officeDocument/2006/relationships" xmlns:p="http://schemas.openxmlformats.org/presentationml/2006/main">
   <p:cSld>
     <p:spTree>

--- a/Chapter4/AnalysisFiles/Reformatted Figures.pptx
+++ b/Chapter4/AnalysisFiles/Reformatted Figures.pptx
@@ -7,10 +7,12 @@
   <p:sldIdLst>
     <p:sldId id="256" r:id="rId2"/>
     <p:sldId id="261" r:id="rId3"/>
-    <p:sldId id="257" r:id="rId4"/>
-    <p:sldId id="258" r:id="rId5"/>
-    <p:sldId id="259" r:id="rId6"/>
-    <p:sldId id="260" r:id="rId7"/>
+    <p:sldId id="263" r:id="rId4"/>
+    <p:sldId id="265" r:id="rId5"/>
+    <p:sldId id="257" r:id="rId6"/>
+    <p:sldId id="258" r:id="rId7"/>
+    <p:sldId id="259" r:id="rId8"/>
+    <p:sldId id="260" r:id="rId9"/>
   </p:sldIdLst>
   <p:sldSz cx="9144000" cy="6858000" type="screen4x3"/>
   <p:notesSz cx="6858000" cy="9144000"/>
@@ -109,6 +111,22 @@
       </a:defRPr>
     </a:lvl9pPr>
   </p:defaultTextStyle>
+  <p:extLst>
+    <p:ext uri="{EFAFB233-063F-42B5-8137-9DF3F51BA10A}">
+      <p15:sldGuideLst xmlns:p15="http://schemas.microsoft.com/office/powerpoint/2012/main">
+        <p15:guide id="1" orient="horz" pos="2160">
+          <p15:clr>
+            <a:srgbClr val="A4A3A4"/>
+          </p15:clr>
+        </p15:guide>
+        <p15:guide id="2" pos="2880">
+          <p15:clr>
+            <a:srgbClr val="A4A3A4"/>
+          </p15:clr>
+        </p15:guide>
+      </p15:sldGuideLst>
+    </p:ext>
+  </p:extLst>
 </p:presentation>
 </file>
 
@@ -3462,6 +3480,720 @@
       </p:grpSpPr>
       <p:grpSp>
         <p:nvGrpSpPr>
+          <p:cNvPr id="3" name="Group 2"/>
+          <p:cNvGrpSpPr/>
+          <p:nvPr/>
+        </p:nvGrpSpPr>
+        <p:grpSpPr>
+          <a:xfrm>
+            <a:off x="1052467" y="-120213"/>
+            <a:ext cx="7829451" cy="6978213"/>
+            <a:chOff x="1052467" y="-120213"/>
+            <a:chExt cx="7829451" cy="6978213"/>
+          </a:xfrm>
+        </p:grpSpPr>
+        <p:pic>
+          <p:nvPicPr>
+            <p:cNvPr id="14" name="Picture 13"/>
+            <p:cNvPicPr>
+              <a:picLocks noChangeAspect="1"/>
+            </p:cNvPicPr>
+            <p:nvPr/>
+          </p:nvPicPr>
+          <p:blipFill rotWithShape="1">
+            <a:blip r:embed="rId2">
+              <a:extLst>
+                <a:ext uri="{28A0092B-C50C-407E-A947-70E740481C1C}">
+                  <a14:useLocalDpi xmlns:a14="http://schemas.microsoft.com/office/drawing/2010/main" val="0"/>
+                </a:ext>
+              </a:extLst>
+            </a:blip>
+            <a:srcRect l="8694" t="9938" r="9128" b="1921"/>
+            <a:stretch/>
+          </p:blipFill>
+          <p:spPr>
+            <a:xfrm>
+              <a:off x="1460502" y="9143"/>
+              <a:ext cx="6418303" cy="6419088"/>
+            </a:xfrm>
+            <a:prstGeom prst="rect">
+              <a:avLst/>
+            </a:prstGeom>
+          </p:spPr>
+        </p:pic>
+        <p:pic>
+          <p:nvPicPr>
+            <p:cNvPr id="6" name="Picture 5"/>
+            <p:cNvPicPr>
+              <a:picLocks noChangeAspect="1"/>
+            </p:cNvPicPr>
+            <p:nvPr/>
+          </p:nvPicPr>
+          <p:blipFill>
+            <a:blip r:embed="rId3">
+              <a:clrChange>
+                <a:clrFrom>
+                  <a:srgbClr val="FFFFFF"/>
+                </a:clrFrom>
+                <a:clrTo>
+                  <a:srgbClr val="FFFFFF">
+                    <a:alpha val="0"/>
+                  </a:srgbClr>
+                </a:clrTo>
+              </a:clrChange>
+              <a:extLst>
+                <a:ext uri="{28A0092B-C50C-407E-A947-70E740481C1C}">
+                  <a14:useLocalDpi xmlns:a14="http://schemas.microsoft.com/office/drawing/2010/main" val="0"/>
+                </a:ext>
+              </a:extLst>
+            </a:blip>
+            <a:stretch>
+              <a:fillRect/>
+            </a:stretch>
+          </p:blipFill>
+          <p:spPr>
+            <a:xfrm>
+              <a:off x="1052467" y="-15269"/>
+              <a:ext cx="7022013" cy="6873269"/>
+            </a:xfrm>
+            <a:prstGeom prst="rect">
+              <a:avLst/>
+            </a:prstGeom>
+          </p:spPr>
+        </p:pic>
+        <p:grpSp>
+          <p:nvGrpSpPr>
+            <p:cNvPr id="16" name="Group 15"/>
+            <p:cNvGrpSpPr/>
+            <p:nvPr/>
+          </p:nvGrpSpPr>
+          <p:grpSpPr>
+            <a:xfrm>
+              <a:off x="8083111" y="-120213"/>
+              <a:ext cx="798807" cy="6677799"/>
+              <a:chOff x="3265715" y="62592"/>
+              <a:chExt cx="798807" cy="6677799"/>
+            </a:xfrm>
+          </p:grpSpPr>
+          <p:pic>
+            <p:nvPicPr>
+              <p:cNvPr id="17" name="Picture 16"/>
+              <p:cNvPicPr>
+                <a:picLocks noChangeAspect="1"/>
+              </p:cNvPicPr>
+              <p:nvPr/>
+            </p:nvPicPr>
+            <p:blipFill rotWithShape="1">
+              <a:blip r:embed="rId4">
+                <a:extLst>
+                  <a:ext uri="{28A0092B-C50C-407E-A947-70E740481C1C}">
+                    <a14:useLocalDpi xmlns:a14="http://schemas.microsoft.com/office/drawing/2010/main" val="0"/>
+                  </a:ext>
+                </a:extLst>
+              </a:blip>
+              <a:srcRect l="413" r="1" b="43333"/>
+              <a:stretch/>
+            </p:blipFill>
+            <p:spPr>
+              <a:xfrm rot="16200000">
+                <a:off x="239862" y="3187168"/>
+                <a:ext cx="6468085" cy="416379"/>
+              </a:xfrm>
+              <a:prstGeom prst="rect">
+                <a:avLst/>
+              </a:prstGeom>
+            </p:spPr>
+          </p:pic>
+          <p:sp>
+            <p:nvSpPr>
+              <p:cNvPr id="18" name="TextBox 17"/>
+              <p:cNvSpPr txBox="1"/>
+              <p:nvPr/>
+            </p:nvSpPr>
+            <p:spPr>
+              <a:xfrm>
+                <a:off x="3592285" y="1330778"/>
+                <a:ext cx="415498" cy="276999"/>
+              </a:xfrm>
+              <a:prstGeom prst="rect">
+                <a:avLst/>
+              </a:prstGeom>
+              <a:noFill/>
+            </p:spPr>
+            <p:txBody>
+              <a:bodyPr wrap="none" rtlCol="0">
+                <a:spAutoFit/>
+              </a:bodyPr>
+              <a:lstStyle/>
+              <a:p>
+                <a:r>
+                  <a:rPr lang="en-US" sz="1200" b="1" dirty="0">
+                    <a:latin typeface="Arial Rounded MT Bold" pitchFamily="34" charset="0"/>
+                    <a:cs typeface="Arial" pitchFamily="34" charset="0"/>
+                  </a:rPr>
+                  <a:t>4.5</a:t>
+                </a:r>
+              </a:p>
+            </p:txBody>
+          </p:sp>
+          <p:sp>
+            <p:nvSpPr>
+              <p:cNvPr id="19" name="TextBox 18"/>
+              <p:cNvSpPr txBox="1"/>
+              <p:nvPr/>
+            </p:nvSpPr>
+            <p:spPr>
+              <a:xfrm>
+                <a:off x="3589564" y="2626178"/>
+                <a:ext cx="415498" cy="276999"/>
+              </a:xfrm>
+              <a:prstGeom prst="rect">
+                <a:avLst/>
+              </a:prstGeom>
+              <a:noFill/>
+            </p:spPr>
+            <p:txBody>
+              <a:bodyPr wrap="none" rtlCol="0">
+                <a:spAutoFit/>
+              </a:bodyPr>
+              <a:lstStyle/>
+              <a:p>
+                <a:r>
+                  <a:rPr lang="en-US" sz="1200" b="1" dirty="0">
+                    <a:latin typeface="Arial Rounded MT Bold" pitchFamily="34" charset="0"/>
+                    <a:cs typeface="Arial" pitchFamily="34" charset="0"/>
+                  </a:rPr>
+                  <a:t>2.5</a:t>
+                </a:r>
+              </a:p>
+            </p:txBody>
+          </p:sp>
+          <p:sp>
+            <p:nvSpPr>
+              <p:cNvPr id="20" name="TextBox 19"/>
+              <p:cNvSpPr txBox="1"/>
+              <p:nvPr/>
+            </p:nvSpPr>
+            <p:spPr>
+              <a:xfrm>
+                <a:off x="3589563" y="3907971"/>
+                <a:ext cx="415498" cy="276999"/>
+              </a:xfrm>
+              <a:prstGeom prst="rect">
+                <a:avLst/>
+              </a:prstGeom>
+              <a:noFill/>
+            </p:spPr>
+            <p:txBody>
+              <a:bodyPr wrap="none" rtlCol="0">
+                <a:spAutoFit/>
+              </a:bodyPr>
+              <a:lstStyle/>
+              <a:p>
+                <a:r>
+                  <a:rPr lang="en-US" sz="1200" b="1" dirty="0">
+                    <a:latin typeface="Arial Rounded MT Bold" pitchFamily="34" charset="0"/>
+                    <a:cs typeface="Arial" pitchFamily="34" charset="0"/>
+                  </a:rPr>
+                  <a:t>0.5</a:t>
+                </a:r>
+              </a:p>
+            </p:txBody>
+          </p:sp>
+          <p:sp>
+            <p:nvSpPr>
+              <p:cNvPr id="21" name="TextBox 20"/>
+              <p:cNvSpPr txBox="1"/>
+              <p:nvPr/>
+            </p:nvSpPr>
+            <p:spPr>
+              <a:xfrm>
+                <a:off x="3597728" y="5214257"/>
+                <a:ext cx="466794" cy="276999"/>
+              </a:xfrm>
+              <a:prstGeom prst="rect">
+                <a:avLst/>
+              </a:prstGeom>
+              <a:noFill/>
+            </p:spPr>
+            <p:txBody>
+              <a:bodyPr wrap="none" rtlCol="0">
+                <a:spAutoFit/>
+              </a:bodyPr>
+              <a:lstStyle/>
+              <a:p>
+                <a:r>
+                  <a:rPr lang="en-US" sz="1200" b="1" dirty="0">
+                    <a:latin typeface="Arial Rounded MT Bold" pitchFamily="34" charset="0"/>
+                    <a:cs typeface="Arial" pitchFamily="34" charset="0"/>
+                  </a:rPr>
+                  <a:t>-1.5</a:t>
+                </a:r>
+              </a:p>
+            </p:txBody>
+          </p:sp>
+          <p:sp>
+            <p:nvSpPr>
+              <p:cNvPr id="22" name="TextBox 21"/>
+              <p:cNvSpPr txBox="1"/>
+              <p:nvPr/>
+            </p:nvSpPr>
+            <p:spPr>
+              <a:xfrm>
+                <a:off x="3589564" y="6463392"/>
+                <a:ext cx="466794" cy="276999"/>
+              </a:xfrm>
+              <a:prstGeom prst="rect">
+                <a:avLst/>
+              </a:prstGeom>
+              <a:noFill/>
+            </p:spPr>
+            <p:txBody>
+              <a:bodyPr wrap="none" rtlCol="0">
+                <a:spAutoFit/>
+              </a:bodyPr>
+              <a:lstStyle/>
+              <a:p>
+                <a:r>
+                  <a:rPr lang="en-US" sz="1200" b="1" dirty="0">
+                    <a:latin typeface="Arial Rounded MT Bold" pitchFamily="34" charset="0"/>
+                    <a:cs typeface="Arial" pitchFamily="34" charset="0"/>
+                  </a:rPr>
+                  <a:t>-3.5</a:t>
+                </a:r>
+              </a:p>
+            </p:txBody>
+          </p:sp>
+          <p:sp>
+            <p:nvSpPr>
+              <p:cNvPr id="23" name="TextBox 22"/>
+              <p:cNvSpPr txBox="1"/>
+              <p:nvPr/>
+            </p:nvSpPr>
+            <p:spPr>
+              <a:xfrm>
+                <a:off x="3597729" y="62592"/>
+                <a:ext cx="415498" cy="276999"/>
+              </a:xfrm>
+              <a:prstGeom prst="rect">
+                <a:avLst/>
+              </a:prstGeom>
+              <a:noFill/>
+            </p:spPr>
+            <p:txBody>
+              <a:bodyPr wrap="none" rtlCol="0">
+                <a:spAutoFit/>
+              </a:bodyPr>
+              <a:lstStyle/>
+              <a:p>
+                <a:r>
+                  <a:rPr lang="en-US" sz="1200" b="1" dirty="0">
+                    <a:latin typeface="Arial Rounded MT Bold" pitchFamily="34" charset="0"/>
+                    <a:cs typeface="Arial" pitchFamily="34" charset="0"/>
+                  </a:rPr>
+                  <a:t>6.5</a:t>
+                </a:r>
+              </a:p>
+            </p:txBody>
+          </p:sp>
+        </p:grpSp>
+      </p:grpSp>
+    </p:spTree>
+    <p:extLst>
+      <p:ext uri="{BB962C8B-B14F-4D97-AF65-F5344CB8AC3E}">
+        <p14:creationId xmlns:p14="http://schemas.microsoft.com/office/powerpoint/2010/main" val="723910351"/>
+      </p:ext>
+    </p:extLst>
+  </p:cSld>
+  <p:clrMapOvr>
+    <a:masterClrMapping/>
+  </p:clrMapOvr>
+  <p:timing>
+    <p:tnLst>
+      <p:par>
+        <p:cTn id="1" dur="indefinite" restart="never" nodeType="tmRoot"/>
+      </p:par>
+    </p:tnLst>
+  </p:timing>
+</p:sld>
+</file>
+
+<file path=ppt/slides/slide4.xml><?xml version="1.0" encoding="utf-8"?>
+<p:sld xmlns:a="http://schemas.openxmlformats.org/drawingml/2006/main" xmlns:r="http://schemas.openxmlformats.org/officeDocument/2006/relationships" xmlns:p="http://schemas.openxmlformats.org/presentationml/2006/main">
+  <p:cSld>
+    <p:spTree>
+      <p:nvGrpSpPr>
+        <p:cNvPr id="1" name=""/>
+        <p:cNvGrpSpPr/>
+        <p:nvPr/>
+      </p:nvGrpSpPr>
+      <p:grpSpPr>
+        <a:xfrm>
+          <a:off x="0" y="0"/>
+          <a:ext cx="0" cy="0"/>
+          <a:chOff x="0" y="0"/>
+          <a:chExt cx="0" cy="0"/>
+        </a:xfrm>
+      </p:grpSpPr>
+      <p:grpSp>
+        <p:nvGrpSpPr>
+          <p:cNvPr id="2" name="Group 1"/>
+          <p:cNvGrpSpPr/>
+          <p:nvPr/>
+        </p:nvGrpSpPr>
+        <p:grpSpPr>
+          <a:xfrm>
+            <a:off x="1052467" y="-120213"/>
+            <a:ext cx="7829451" cy="6978213"/>
+            <a:chOff x="1052467" y="-120213"/>
+            <a:chExt cx="7829451" cy="6978213"/>
+          </a:xfrm>
+        </p:grpSpPr>
+        <p:pic>
+          <p:nvPicPr>
+            <p:cNvPr id="13" name="Picture 12"/>
+            <p:cNvPicPr>
+              <a:picLocks noChangeAspect="1"/>
+            </p:cNvPicPr>
+            <p:nvPr/>
+          </p:nvPicPr>
+          <p:blipFill rotWithShape="1">
+            <a:blip r:embed="rId2">
+              <a:extLst>
+                <a:ext uri="{28A0092B-C50C-407E-A947-70E740481C1C}">
+                  <a14:useLocalDpi xmlns:a14="http://schemas.microsoft.com/office/drawing/2010/main" val="0"/>
+                </a:ext>
+              </a:extLst>
+            </a:blip>
+            <a:srcRect l="8713" t="9495" r="8860" b="1619"/>
+            <a:stretch/>
+          </p:blipFill>
+          <p:spPr>
+            <a:xfrm>
+              <a:off x="1445182" y="0"/>
+              <a:ext cx="6430289" cy="6426222"/>
+            </a:xfrm>
+            <a:prstGeom prst="rect">
+              <a:avLst/>
+            </a:prstGeom>
+          </p:spPr>
+        </p:pic>
+        <p:pic>
+          <p:nvPicPr>
+            <p:cNvPr id="6" name="Picture 5"/>
+            <p:cNvPicPr>
+              <a:picLocks noChangeAspect="1"/>
+            </p:cNvPicPr>
+            <p:nvPr/>
+          </p:nvPicPr>
+          <p:blipFill>
+            <a:blip r:embed="rId3">
+              <a:clrChange>
+                <a:clrFrom>
+                  <a:srgbClr val="FFFFFF"/>
+                </a:clrFrom>
+                <a:clrTo>
+                  <a:srgbClr val="FFFFFF">
+                    <a:alpha val="0"/>
+                  </a:srgbClr>
+                </a:clrTo>
+              </a:clrChange>
+              <a:extLst>
+                <a:ext uri="{28A0092B-C50C-407E-A947-70E740481C1C}">
+                  <a14:useLocalDpi xmlns:a14="http://schemas.microsoft.com/office/drawing/2010/main" val="0"/>
+                </a:ext>
+              </a:extLst>
+            </a:blip>
+            <a:stretch>
+              <a:fillRect/>
+            </a:stretch>
+          </p:blipFill>
+          <p:spPr>
+            <a:xfrm>
+              <a:off x="1052467" y="-15269"/>
+              <a:ext cx="7022013" cy="6873269"/>
+            </a:xfrm>
+            <a:prstGeom prst="rect">
+              <a:avLst/>
+            </a:prstGeom>
+          </p:spPr>
+        </p:pic>
+        <p:grpSp>
+          <p:nvGrpSpPr>
+            <p:cNvPr id="16" name="Group 15"/>
+            <p:cNvGrpSpPr/>
+            <p:nvPr/>
+          </p:nvGrpSpPr>
+          <p:grpSpPr>
+            <a:xfrm>
+              <a:off x="8083111" y="-120213"/>
+              <a:ext cx="798807" cy="6677799"/>
+              <a:chOff x="3265715" y="62592"/>
+              <a:chExt cx="798807" cy="6677799"/>
+            </a:xfrm>
+          </p:grpSpPr>
+          <p:pic>
+            <p:nvPicPr>
+              <p:cNvPr id="17" name="Picture 16"/>
+              <p:cNvPicPr>
+                <a:picLocks noChangeAspect="1"/>
+              </p:cNvPicPr>
+              <p:nvPr/>
+            </p:nvPicPr>
+            <p:blipFill rotWithShape="1">
+              <a:blip r:embed="rId4">
+                <a:extLst>
+                  <a:ext uri="{28A0092B-C50C-407E-A947-70E740481C1C}">
+                    <a14:useLocalDpi xmlns:a14="http://schemas.microsoft.com/office/drawing/2010/main" val="0"/>
+                  </a:ext>
+                </a:extLst>
+              </a:blip>
+              <a:srcRect l="413" r="1" b="43333"/>
+              <a:stretch/>
+            </p:blipFill>
+            <p:spPr>
+              <a:xfrm rot="16200000">
+                <a:off x="239862" y="3187168"/>
+                <a:ext cx="6468085" cy="416379"/>
+              </a:xfrm>
+              <a:prstGeom prst="rect">
+                <a:avLst/>
+              </a:prstGeom>
+            </p:spPr>
+          </p:pic>
+          <p:sp>
+            <p:nvSpPr>
+              <p:cNvPr id="18" name="TextBox 17"/>
+              <p:cNvSpPr txBox="1"/>
+              <p:nvPr/>
+            </p:nvSpPr>
+            <p:spPr>
+              <a:xfrm>
+                <a:off x="3592285" y="1330778"/>
+                <a:ext cx="415498" cy="276999"/>
+              </a:xfrm>
+              <a:prstGeom prst="rect">
+                <a:avLst/>
+              </a:prstGeom>
+              <a:noFill/>
+            </p:spPr>
+            <p:txBody>
+              <a:bodyPr wrap="none" rtlCol="0">
+                <a:spAutoFit/>
+              </a:bodyPr>
+              <a:lstStyle/>
+              <a:p>
+                <a:r>
+                  <a:rPr lang="en-US" sz="1200" b="1" dirty="0">
+                    <a:latin typeface="Arial Rounded MT Bold" pitchFamily="34" charset="0"/>
+                    <a:cs typeface="Arial" pitchFamily="34" charset="0"/>
+                  </a:rPr>
+                  <a:t>4.5</a:t>
+                </a:r>
+              </a:p>
+            </p:txBody>
+          </p:sp>
+          <p:sp>
+            <p:nvSpPr>
+              <p:cNvPr id="19" name="TextBox 18"/>
+              <p:cNvSpPr txBox="1"/>
+              <p:nvPr/>
+            </p:nvSpPr>
+            <p:spPr>
+              <a:xfrm>
+                <a:off x="3589564" y="2626178"/>
+                <a:ext cx="415498" cy="276999"/>
+              </a:xfrm>
+              <a:prstGeom prst="rect">
+                <a:avLst/>
+              </a:prstGeom>
+              <a:noFill/>
+            </p:spPr>
+            <p:txBody>
+              <a:bodyPr wrap="none" rtlCol="0">
+                <a:spAutoFit/>
+              </a:bodyPr>
+              <a:lstStyle/>
+              <a:p>
+                <a:r>
+                  <a:rPr lang="en-US" sz="1200" b="1" dirty="0">
+                    <a:latin typeface="Arial Rounded MT Bold" pitchFamily="34" charset="0"/>
+                    <a:cs typeface="Arial" pitchFamily="34" charset="0"/>
+                  </a:rPr>
+                  <a:t>2.5</a:t>
+                </a:r>
+              </a:p>
+            </p:txBody>
+          </p:sp>
+          <p:sp>
+            <p:nvSpPr>
+              <p:cNvPr id="20" name="TextBox 19"/>
+              <p:cNvSpPr txBox="1"/>
+              <p:nvPr/>
+            </p:nvSpPr>
+            <p:spPr>
+              <a:xfrm>
+                <a:off x="3589563" y="3907971"/>
+                <a:ext cx="415498" cy="276999"/>
+              </a:xfrm>
+              <a:prstGeom prst="rect">
+                <a:avLst/>
+              </a:prstGeom>
+              <a:noFill/>
+            </p:spPr>
+            <p:txBody>
+              <a:bodyPr wrap="none" rtlCol="0">
+                <a:spAutoFit/>
+              </a:bodyPr>
+              <a:lstStyle/>
+              <a:p>
+                <a:r>
+                  <a:rPr lang="en-US" sz="1200" b="1" dirty="0">
+                    <a:latin typeface="Arial Rounded MT Bold" pitchFamily="34" charset="0"/>
+                    <a:cs typeface="Arial" pitchFamily="34" charset="0"/>
+                  </a:rPr>
+                  <a:t>0.5</a:t>
+                </a:r>
+              </a:p>
+            </p:txBody>
+          </p:sp>
+          <p:sp>
+            <p:nvSpPr>
+              <p:cNvPr id="21" name="TextBox 20"/>
+              <p:cNvSpPr txBox="1"/>
+              <p:nvPr/>
+            </p:nvSpPr>
+            <p:spPr>
+              <a:xfrm>
+                <a:off x="3597728" y="5214257"/>
+                <a:ext cx="466794" cy="276999"/>
+              </a:xfrm>
+              <a:prstGeom prst="rect">
+                <a:avLst/>
+              </a:prstGeom>
+              <a:noFill/>
+            </p:spPr>
+            <p:txBody>
+              <a:bodyPr wrap="none" rtlCol="0">
+                <a:spAutoFit/>
+              </a:bodyPr>
+              <a:lstStyle/>
+              <a:p>
+                <a:r>
+                  <a:rPr lang="en-US" sz="1200" b="1" dirty="0">
+                    <a:latin typeface="Arial Rounded MT Bold" pitchFamily="34" charset="0"/>
+                    <a:cs typeface="Arial" pitchFamily="34" charset="0"/>
+                  </a:rPr>
+                  <a:t>-1.5</a:t>
+                </a:r>
+              </a:p>
+            </p:txBody>
+          </p:sp>
+          <p:sp>
+            <p:nvSpPr>
+              <p:cNvPr id="22" name="TextBox 21"/>
+              <p:cNvSpPr txBox="1"/>
+              <p:nvPr/>
+            </p:nvSpPr>
+            <p:spPr>
+              <a:xfrm>
+                <a:off x="3589564" y="6463392"/>
+                <a:ext cx="466794" cy="276999"/>
+              </a:xfrm>
+              <a:prstGeom prst="rect">
+                <a:avLst/>
+              </a:prstGeom>
+              <a:noFill/>
+            </p:spPr>
+            <p:txBody>
+              <a:bodyPr wrap="none" rtlCol="0">
+                <a:spAutoFit/>
+              </a:bodyPr>
+              <a:lstStyle/>
+              <a:p>
+                <a:r>
+                  <a:rPr lang="en-US" sz="1200" b="1" dirty="0">
+                    <a:latin typeface="Arial Rounded MT Bold" pitchFamily="34" charset="0"/>
+                    <a:cs typeface="Arial" pitchFamily="34" charset="0"/>
+                  </a:rPr>
+                  <a:t>-3.5</a:t>
+                </a:r>
+              </a:p>
+            </p:txBody>
+          </p:sp>
+          <p:sp>
+            <p:nvSpPr>
+              <p:cNvPr id="23" name="TextBox 22"/>
+              <p:cNvSpPr txBox="1"/>
+              <p:nvPr/>
+            </p:nvSpPr>
+            <p:spPr>
+              <a:xfrm>
+                <a:off x="3597729" y="62592"/>
+                <a:ext cx="415498" cy="276999"/>
+              </a:xfrm>
+              <a:prstGeom prst="rect">
+                <a:avLst/>
+              </a:prstGeom>
+              <a:noFill/>
+            </p:spPr>
+            <p:txBody>
+              <a:bodyPr wrap="none" rtlCol="0">
+                <a:spAutoFit/>
+              </a:bodyPr>
+              <a:lstStyle/>
+              <a:p>
+                <a:r>
+                  <a:rPr lang="en-US" sz="1200" b="1" dirty="0">
+                    <a:latin typeface="Arial Rounded MT Bold" pitchFamily="34" charset="0"/>
+                    <a:cs typeface="Arial" pitchFamily="34" charset="0"/>
+                  </a:rPr>
+                  <a:t>6.5</a:t>
+                </a:r>
+              </a:p>
+            </p:txBody>
+          </p:sp>
+        </p:grpSp>
+      </p:grpSp>
+    </p:spTree>
+    <p:extLst>
+      <p:ext uri="{BB962C8B-B14F-4D97-AF65-F5344CB8AC3E}">
+        <p14:creationId xmlns:p14="http://schemas.microsoft.com/office/powerpoint/2010/main" val="3732459382"/>
+      </p:ext>
+    </p:extLst>
+  </p:cSld>
+  <p:clrMapOvr>
+    <a:masterClrMapping/>
+  </p:clrMapOvr>
+  <p:timing>
+    <p:tnLst>
+      <p:par>
+        <p:cTn id="1" dur="indefinite" restart="never" nodeType="tmRoot"/>
+      </p:par>
+    </p:tnLst>
+  </p:timing>
+</p:sld>
+</file>
+
+<file path=ppt/slides/slide5.xml><?xml version="1.0" encoding="utf-8"?>
+<p:sld xmlns:a="http://schemas.openxmlformats.org/drawingml/2006/main" xmlns:r="http://schemas.openxmlformats.org/officeDocument/2006/relationships" xmlns:p="http://schemas.openxmlformats.org/presentationml/2006/main">
+  <p:cSld>
+    <p:spTree>
+      <p:nvGrpSpPr>
+        <p:cNvPr id="1" name=""/>
+        <p:cNvGrpSpPr/>
+        <p:nvPr/>
+      </p:nvGrpSpPr>
+      <p:grpSpPr>
+        <a:xfrm>
+          <a:off x="0" y="0"/>
+          <a:ext cx="0" cy="0"/>
+          <a:chOff x="0" y="0"/>
+          <a:chExt cx="0" cy="0"/>
+        </a:xfrm>
+      </p:grpSpPr>
+      <p:grpSp>
+        <p:nvGrpSpPr>
           <p:cNvPr id="7" name="Group 6"/>
           <p:cNvGrpSpPr/>
           <p:nvPr/>
@@ -3828,7 +4560,7 @@
 </p:sld>
 </file>
 
-<file path=ppt/slides/slide4.xml><?xml version="1.0" encoding="utf-8"?>
+<file path=ppt/slides/slide6.xml><?xml version="1.0" encoding="utf-8"?>
 <p:sld xmlns:a="http://schemas.openxmlformats.org/drawingml/2006/main" xmlns:r="http://schemas.openxmlformats.org/officeDocument/2006/relationships" xmlns:p="http://schemas.openxmlformats.org/presentationml/2006/main">
   <p:cSld>
     <p:spTree>
@@ -4328,7 +5060,7 @@
 </p:sld>
 </file>
 
-<file path=ppt/slides/slide5.xml><?xml version="1.0" encoding="utf-8"?>
+<file path=ppt/slides/slide7.xml><?xml version="1.0" encoding="utf-8"?>
 <p:sld xmlns:a="http://schemas.openxmlformats.org/drawingml/2006/main" xmlns:r="http://schemas.openxmlformats.org/officeDocument/2006/relationships" xmlns:p="http://schemas.openxmlformats.org/presentationml/2006/main">
   <p:cSld>
     <p:spTree>
@@ -4450,7 +5182,7 @@
 </p:sld>
 </file>
 
-<file path=ppt/slides/slide6.xml><?xml version="1.0" encoding="utf-8"?>
+<file path=ppt/slides/slide8.xml><?xml version="1.0" encoding="utf-8"?>
 <p:sld xmlns:a="http://schemas.openxmlformats.org/drawingml/2006/main" xmlns:r="http://schemas.openxmlformats.org/officeDocument/2006/relationships" xmlns:p="http://schemas.openxmlformats.org/presentationml/2006/main">
   <p:cSld>
     <p:spTree>

--- a/Chapter4/AnalysisFiles/Reformatted Figures.pptx
+++ b/Chapter4/AnalysisFiles/Reformatted Figures.pptx
@@ -113,7 +113,7 @@
   </p:defaultTextStyle>
   <p:extLst>
     <p:ext uri="{EFAFB233-063F-42B5-8137-9DF3F51BA10A}">
-      <p15:sldGuideLst xmlns:p15="http://schemas.microsoft.com/office/powerpoint/2012/main">
+      <p15:sldGuideLst xmlns:p15="http://schemas.microsoft.com/office/powerpoint/2012/main" xmlns="">
         <p15:guide id="1" orient="horz" pos="2160">
           <p15:clr>
             <a:srgbClr val="A4A3A4"/>
@@ -311,7 +311,7 @@
           <a:p>
             <a:fld id="{6BED7B28-07E3-435C-93B6-8F423A08B503}" type="datetimeFigureOut">
               <a:rPr lang="en-US" smtClean="0"/>
-              <a:t>8/16/2013</a:t>
+              <a:t>8/27/2013</a:t>
             </a:fld>
             <a:endParaRPr lang="en-US"/>
           </a:p>
@@ -481,7 +481,7 @@
           <a:p>
             <a:fld id="{6BED7B28-07E3-435C-93B6-8F423A08B503}" type="datetimeFigureOut">
               <a:rPr lang="en-US" smtClean="0"/>
-              <a:t>8/16/2013</a:t>
+              <a:t>8/27/2013</a:t>
             </a:fld>
             <a:endParaRPr lang="en-US"/>
           </a:p>
@@ -661,7 +661,7 @@
           <a:p>
             <a:fld id="{6BED7B28-07E3-435C-93B6-8F423A08B503}" type="datetimeFigureOut">
               <a:rPr lang="en-US" smtClean="0"/>
-              <a:t>8/16/2013</a:t>
+              <a:t>8/27/2013</a:t>
             </a:fld>
             <a:endParaRPr lang="en-US"/>
           </a:p>
@@ -831,7 +831,7 @@
           <a:p>
             <a:fld id="{6BED7B28-07E3-435C-93B6-8F423A08B503}" type="datetimeFigureOut">
               <a:rPr lang="en-US" smtClean="0"/>
-              <a:t>8/16/2013</a:t>
+              <a:t>8/27/2013</a:t>
             </a:fld>
             <a:endParaRPr lang="en-US"/>
           </a:p>
@@ -1077,7 +1077,7 @@
           <a:p>
             <a:fld id="{6BED7B28-07E3-435C-93B6-8F423A08B503}" type="datetimeFigureOut">
               <a:rPr lang="en-US" smtClean="0"/>
-              <a:t>8/16/2013</a:t>
+              <a:t>8/27/2013</a:t>
             </a:fld>
             <a:endParaRPr lang="en-US"/>
           </a:p>
@@ -1365,7 +1365,7 @@
           <a:p>
             <a:fld id="{6BED7B28-07E3-435C-93B6-8F423A08B503}" type="datetimeFigureOut">
               <a:rPr lang="en-US" smtClean="0"/>
-              <a:t>8/16/2013</a:t>
+              <a:t>8/27/2013</a:t>
             </a:fld>
             <a:endParaRPr lang="en-US"/>
           </a:p>
@@ -1787,7 +1787,7 @@
           <a:p>
             <a:fld id="{6BED7B28-07E3-435C-93B6-8F423A08B503}" type="datetimeFigureOut">
               <a:rPr lang="en-US" smtClean="0"/>
-              <a:t>8/16/2013</a:t>
+              <a:t>8/27/2013</a:t>
             </a:fld>
             <a:endParaRPr lang="en-US"/>
           </a:p>
@@ -1905,7 +1905,7 @@
           <a:p>
             <a:fld id="{6BED7B28-07E3-435C-93B6-8F423A08B503}" type="datetimeFigureOut">
               <a:rPr lang="en-US" smtClean="0"/>
-              <a:t>8/16/2013</a:t>
+              <a:t>8/27/2013</a:t>
             </a:fld>
             <a:endParaRPr lang="en-US"/>
           </a:p>
@@ -2000,7 +2000,7 @@
           <a:p>
             <a:fld id="{6BED7B28-07E3-435C-93B6-8F423A08B503}" type="datetimeFigureOut">
               <a:rPr lang="en-US" smtClean="0"/>
-              <a:t>8/16/2013</a:t>
+              <a:t>8/27/2013</a:t>
             </a:fld>
             <a:endParaRPr lang="en-US"/>
           </a:p>
@@ -2277,7 +2277,7 @@
           <a:p>
             <a:fld id="{6BED7B28-07E3-435C-93B6-8F423A08B503}" type="datetimeFigureOut">
               <a:rPr lang="en-US" smtClean="0"/>
-              <a:t>8/16/2013</a:t>
+              <a:t>8/27/2013</a:t>
             </a:fld>
             <a:endParaRPr lang="en-US"/>
           </a:p>
@@ -2530,7 +2530,7 @@
           <a:p>
             <a:fld id="{6BED7B28-07E3-435C-93B6-8F423A08B503}" type="datetimeFigureOut">
               <a:rPr lang="en-US" smtClean="0"/>
-              <a:t>8/16/2013</a:t>
+              <a:t>8/27/2013</a:t>
             </a:fld>
             <a:endParaRPr lang="en-US"/>
           </a:p>
@@ -2743,7 +2743,7 @@
           <a:p>
             <a:fld id="{6BED7B28-07E3-435C-93B6-8F423A08B503}" type="datetimeFigureOut">
               <a:rPr lang="en-US" smtClean="0"/>
-              <a:t>8/16/2013</a:t>
+              <a:t>8/27/2013</a:t>
             </a:fld>
             <a:endParaRPr lang="en-US"/>
           </a:p>
@@ -4194,7 +4194,7 @@
       </p:grpSpPr>
       <p:grpSp>
         <p:nvGrpSpPr>
-          <p:cNvPr id="7" name="Group 6"/>
+          <p:cNvPr id="13" name="Group 12"/>
           <p:cNvGrpSpPr/>
           <p:nvPr/>
         </p:nvGrpSpPr>
@@ -4208,7 +4208,7 @@
         </p:grpSpPr>
         <p:grpSp>
           <p:nvGrpSpPr>
-            <p:cNvPr id="2" name="Group 1"/>
+            <p:cNvPr id="7" name="Group 6"/>
             <p:cNvGrpSpPr/>
             <p:nvPr/>
           </p:nvGrpSpPr>
@@ -4220,103 +4220,308 @@
               <a:chExt cx="5486400" cy="4167635"/>
             </a:xfrm>
           </p:grpSpPr>
-          <p:pic>
-            <p:nvPicPr>
-              <p:cNvPr id="2050" name="Picture 2" descr="C:\Users\WILLDA~1\AppData\Local\Temp\VMwareDnD\9110b323\northcentroids_histplot2d.png"/>
-              <p:cNvPicPr>
-                <a:picLocks noChangeAspect="1" noChangeArrowheads="1"/>
-              </p:cNvPicPr>
+          <p:grpSp>
+            <p:nvGrpSpPr>
+              <p:cNvPr id="2" name="Group 1"/>
+              <p:cNvGrpSpPr/>
               <p:nvPr/>
-            </p:nvPicPr>
-            <p:blipFill>
-              <a:blip r:embed="rId2">
-                <a:extLst>
-                  <a:ext uri="{28A0092B-C50C-407E-A947-70E740481C1C}">
-                    <a14:useLocalDpi xmlns:a14="http://schemas.microsoft.com/office/drawing/2010/main" val="0"/>
-                  </a:ext>
-                </a:extLst>
-              </a:blip>
-              <a:srcRect/>
-              <a:stretch>
-                <a:fillRect/>
-              </a:stretch>
-            </p:blipFill>
-            <p:spPr bwMode="auto">
+            </p:nvGrpSpPr>
+            <p:grpSpPr>
               <a:xfrm>
                 <a:off x="1752031" y="1194323"/>
                 <a:ext cx="5486400" cy="4167635"/>
+                <a:chOff x="1752031" y="1194323"/>
+                <a:chExt cx="5486400" cy="4167635"/>
               </a:xfrm>
-              <a:prstGeom prst="rect">
+            </p:grpSpPr>
+            <p:pic>
+              <p:nvPicPr>
+                <p:cNvPr id="2050" name="Picture 2" descr="C:\Users\WILLDA~1\AppData\Local\Temp\VMwareDnD\9110b323\northcentroids_histplot2d.png"/>
+                <p:cNvPicPr>
+                  <a:picLocks noChangeAspect="1" noChangeArrowheads="1"/>
+                </p:cNvPicPr>
+                <p:nvPr/>
+              </p:nvPicPr>
+              <p:blipFill>
+                <a:blip r:embed="rId2">
+                  <a:extLst>
+                    <a:ext uri="{28A0092B-C50C-407E-A947-70E740481C1C}">
+                      <a14:useLocalDpi xmlns:a14="http://schemas.microsoft.com/office/drawing/2010/main" val="0"/>
+                    </a:ext>
+                  </a:extLst>
+                </a:blip>
+                <a:srcRect/>
+                <a:stretch>
+                  <a:fillRect/>
+                </a:stretch>
+              </p:blipFill>
+              <p:spPr bwMode="auto">
+                <a:xfrm>
+                  <a:off x="1752031" y="1194323"/>
+                  <a:ext cx="5486400" cy="4167635"/>
+                </a:xfrm>
+                <a:prstGeom prst="rect">
+                  <a:avLst/>
+                </a:prstGeom>
+                <a:noFill/>
+                <a:extLst>
+                  <a:ext uri="{909E8E84-426E-40DD-AFC4-6F175D3DCCD1}">
+                    <a14:hiddenFill xmlns:a14="http://schemas.microsoft.com/office/drawing/2010/main">
+                      <a:solidFill>
+                        <a:srgbClr val="FFFFFF"/>
+                      </a:solidFill>
+                    </a14:hiddenFill>
+                  </a:ext>
+                </a:extLst>
+              </p:spPr>
+            </p:pic>
+            <p:sp>
+              <p:nvSpPr>
+                <p:cNvPr id="3" name="TextBox 2"/>
+                <p:cNvSpPr txBox="1"/>
+                <p:nvPr/>
+              </p:nvSpPr>
+              <p:spPr>
+                <a:xfrm>
+                  <a:off x="5165766" y="4744193"/>
+                  <a:ext cx="1872949" cy="338554"/>
+                </a:xfrm>
+                <a:prstGeom prst="rect">
+                  <a:avLst/>
+                </a:prstGeom>
+                <a:noFill/>
+              </p:spPr>
+              <p:txBody>
+                <a:bodyPr wrap="none" rtlCol="0">
+                  <a:spAutoFit/>
+                </a:bodyPr>
+                <a:lstStyle/>
+                <a:p>
+                  <a:r>
+                    <a:rPr lang="en-US" sz="1600" dirty="0" smtClean="0"/>
+                    <a:t>Northern Subcluster</a:t>
+                  </a:r>
+                  <a:endParaRPr lang="en-US" sz="1600" dirty="0"/>
+                </a:p>
+              </p:txBody>
+            </p:sp>
+            <p:sp>
+              <p:nvSpPr>
+                <p:cNvPr id="5" name="Line Callout 2 (Accent Bar) 4"/>
+                <p:cNvSpPr/>
+                <p:nvPr/>
+              </p:nvSpPr>
+              <p:spPr>
+                <a:xfrm>
+                  <a:off x="2489712" y="4077725"/>
+                  <a:ext cx="914400" cy="457200"/>
+                </a:xfrm>
+                <a:prstGeom prst="accentCallout2">
+                  <a:avLst>
+                    <a:gd name="adj1" fmla="val 18750"/>
+                    <a:gd name="adj2" fmla="val 105100"/>
+                    <a:gd name="adj3" fmla="val 18846"/>
+                    <a:gd name="adj4" fmla="val 113499"/>
+                    <a:gd name="adj5" fmla="val -102398"/>
+                    <a:gd name="adj6" fmla="val 148875"/>
+                  </a:avLst>
+                </a:prstGeom>
+                <a:noFill/>
+                <a:ln>
+                  <a:solidFill>
+                    <a:schemeClr val="accent2"/>
+                  </a:solidFill>
+                </a:ln>
+              </p:spPr>
+              <p:style>
+                <a:lnRef idx="2">
+                  <a:schemeClr val="accent1">
+                    <a:shade val="50000"/>
+                  </a:schemeClr>
+                </a:lnRef>
+                <a:fillRef idx="1">
+                  <a:schemeClr val="accent1"/>
+                </a:fillRef>
+                <a:effectRef idx="0">
+                  <a:schemeClr val="accent1"/>
+                </a:effectRef>
+                <a:fontRef idx="minor">
+                  <a:schemeClr val="lt1"/>
+                </a:fontRef>
+              </p:style>
+              <p:txBody>
+                <a:bodyPr rtlCol="0" anchor="ctr"/>
+                <a:lstStyle/>
+                <a:p>
+                  <a:pPr algn="r"/>
+                  <a:r>
+                    <a:rPr lang="en-US" sz="1600" dirty="0" smtClean="0">
+                      <a:solidFill>
+                        <a:schemeClr val="accent2"/>
+                      </a:solidFill>
+                    </a:rPr>
+                    <a:t>Galaxy</a:t>
+                  </a:r>
+                </a:p>
+                <a:p>
+                  <a:pPr algn="r"/>
+                  <a:r>
+                    <a:rPr lang="en-US" sz="1600" dirty="0" smtClean="0">
+                      <a:solidFill>
+                        <a:schemeClr val="accent2"/>
+                      </a:solidFill>
+                    </a:rPr>
+                    <a:t>Centroid</a:t>
+                  </a:r>
+                  <a:endParaRPr lang="en-US" sz="1600" dirty="0">
+                    <a:solidFill>
+                      <a:schemeClr val="accent2"/>
+                    </a:solidFill>
+                  </a:endParaRPr>
+                </a:p>
+              </p:txBody>
+            </p:sp>
+            <p:sp>
+              <p:nvSpPr>
+                <p:cNvPr id="6" name="Line Callout 2 (Accent Bar) 5"/>
+                <p:cNvSpPr/>
+                <p:nvPr/>
+              </p:nvSpPr>
+              <p:spPr>
+                <a:xfrm>
+                  <a:off x="2553046" y="1742243"/>
+                  <a:ext cx="914400" cy="457200"/>
+                </a:xfrm>
+                <a:prstGeom prst="accentCallout2">
+                  <a:avLst>
+                    <a:gd name="adj1" fmla="val 18750"/>
+                    <a:gd name="adj2" fmla="val 105100"/>
+                    <a:gd name="adj3" fmla="val 18846"/>
+                    <a:gd name="adj4" fmla="val 113499"/>
+                    <a:gd name="adj5" fmla="val 178445"/>
+                    <a:gd name="adj6" fmla="val 174199"/>
+                  </a:avLst>
+                </a:prstGeom>
+                <a:noFill/>
+                <a:ln>
+                  <a:solidFill>
+                    <a:schemeClr val="accent1"/>
+                  </a:solidFill>
+                </a:ln>
+              </p:spPr>
+              <p:style>
+                <a:lnRef idx="2">
+                  <a:schemeClr val="accent1">
+                    <a:shade val="50000"/>
+                  </a:schemeClr>
+                </a:lnRef>
+                <a:fillRef idx="1">
+                  <a:schemeClr val="accent1"/>
+                </a:fillRef>
+                <a:effectRef idx="0">
+                  <a:schemeClr val="accent1"/>
+                </a:effectRef>
+                <a:fontRef idx="minor">
+                  <a:schemeClr val="lt1"/>
+                </a:fontRef>
+              </p:style>
+              <p:txBody>
+                <a:bodyPr rtlCol="0" anchor="ctr"/>
+                <a:lstStyle/>
+                <a:p>
+                  <a:pPr algn="r"/>
+                  <a:r>
+                    <a:rPr lang="en-US" sz="1600" dirty="0" smtClean="0">
+                      <a:solidFill>
+                        <a:schemeClr val="accent1"/>
+                      </a:solidFill>
+                    </a:rPr>
+                    <a:t>Lensing</a:t>
+                  </a:r>
+                </a:p>
+                <a:p>
+                  <a:pPr algn="r"/>
+                  <a:r>
+                    <a:rPr lang="en-US" sz="1600" dirty="0" smtClean="0">
+                      <a:solidFill>
+                        <a:schemeClr val="accent1"/>
+                      </a:solidFill>
+                    </a:rPr>
+                    <a:t>Centroid</a:t>
+                  </a:r>
+                  <a:endParaRPr lang="en-US" sz="1600" dirty="0">
+                    <a:solidFill>
+                      <a:schemeClr val="accent1"/>
+                    </a:solidFill>
+                  </a:endParaRPr>
+                </a:p>
+              </p:txBody>
+            </p:sp>
+          </p:grpSp>
+          <p:cxnSp>
+            <p:nvCxnSpPr>
+              <p:cNvPr id="8" name="Straight Connector 7"/>
+              <p:cNvCxnSpPr/>
+              <p:nvPr/>
+            </p:nvCxnSpPr>
+            <p:spPr>
+              <a:xfrm flipV="1">
+                <a:off x="3734790" y="1318160"/>
+                <a:ext cx="1453896" cy="3758184"/>
+              </a:xfrm>
+              <a:prstGeom prst="line">
                 <a:avLst/>
               </a:prstGeom>
-              <a:noFill/>
-              <a:extLst>
-                <a:ext uri="{909E8E84-426E-40DD-AFC4-6F175D3DCCD1}">
-                  <a14:hiddenFill xmlns:a14="http://schemas.microsoft.com/office/drawing/2010/main">
-                    <a:solidFill>
-                      <a:srgbClr val="FFFFFF"/>
-                    </a:solidFill>
-                  </a14:hiddenFill>
-                </a:ext>
-              </a:extLst>
+              <a:ln w="19050">
+                <a:solidFill>
+                  <a:schemeClr val="accent4"/>
+                </a:solidFill>
+                <a:prstDash val="dash"/>
+                <a:tailEnd type="stealth" w="lg" len="lg"/>
+              </a:ln>
             </p:spPr>
-          </p:pic>
+            <p:style>
+              <a:lnRef idx="1">
+                <a:schemeClr val="accent1"/>
+              </a:lnRef>
+              <a:fillRef idx="0">
+                <a:schemeClr val="accent1"/>
+              </a:fillRef>
+              <a:effectRef idx="0">
+                <a:schemeClr val="accent1"/>
+              </a:effectRef>
+              <a:fontRef idx="minor">
+                <a:schemeClr val="tx1"/>
+              </a:fontRef>
+            </p:style>
+          </p:cxnSp>
           <p:sp>
             <p:nvSpPr>
-              <p:cNvPr id="3" name="TextBox 2"/>
-              <p:cNvSpPr txBox="1"/>
-              <p:nvPr/>
-            </p:nvSpPr>
-            <p:spPr>
-              <a:xfrm>
-                <a:off x="5165766" y="4744193"/>
-                <a:ext cx="1872949" cy="338554"/>
-              </a:xfrm>
-              <a:prstGeom prst="rect">
-                <a:avLst/>
-              </a:prstGeom>
-              <a:noFill/>
-            </p:spPr>
-            <p:txBody>
-              <a:bodyPr wrap="none" rtlCol="0">
-                <a:spAutoFit/>
-              </a:bodyPr>
-              <a:lstStyle/>
-              <a:p>
-                <a:r>
-                  <a:rPr lang="en-US" sz="1600" dirty="0" smtClean="0"/>
-                  <a:t>Northern Subcluster</a:t>
-                </a:r>
-                <a:endParaRPr lang="en-US" sz="1600" dirty="0"/>
-              </a:p>
-            </p:txBody>
-          </p:sp>
-          <p:sp>
-            <p:nvSpPr>
-              <p:cNvPr id="5" name="Line Callout 2 (Accent Bar) 4"/>
+              <p:cNvPr id="9" name="Line Callout 2 (Accent Bar) 8"/>
               <p:cNvSpPr/>
               <p:nvPr/>
             </p:nvSpPr>
             <p:spPr>
               <a:xfrm>
-                <a:off x="2489712" y="4077725"/>
-                <a:ext cx="914400" cy="457200"/>
+                <a:off x="3420093" y="1385985"/>
+                <a:ext cx="1288326" cy="245660"/>
               </a:xfrm>
               <a:prstGeom prst="accentCallout2">
                 <a:avLst>
                   <a:gd name="adj1" fmla="val 18750"/>
-                  <a:gd name="adj2" fmla="val 105100"/>
+                  <a:gd name="adj2" fmla="val 100491"/>
                   <a:gd name="adj3" fmla="val 18846"/>
-                  <a:gd name="adj4" fmla="val 113499"/>
-                  <a:gd name="adj5" fmla="val -102398"/>
-                  <a:gd name="adj6" fmla="val 148875"/>
+                  <a:gd name="adj4" fmla="val 108429"/>
+                  <a:gd name="adj5" fmla="val 67659"/>
+                  <a:gd name="adj6" fmla="val 129369"/>
                 </a:avLst>
               </a:prstGeom>
               <a:noFill/>
-              <a:ln>
+              <a:ln w="12700">
                 <a:solidFill>
-                  <a:schemeClr val="accent2"/>
+                  <a:schemeClr val="accent4"/>
                 </a:solidFill>
+                <a:prstDash val="dash"/>
               </a:ln>
             </p:spPr>
             <p:style>
@@ -4341,103 +4546,16 @@
               <a:p>
                 <a:pPr algn="r"/>
                 <a:r>
-                  <a:rPr lang="en-US" sz="1600" dirty="0" smtClean="0">
+                  <a:rPr lang="en-US" sz="1400" dirty="0" smtClean="0">
                     <a:solidFill>
-                      <a:schemeClr val="accent2"/>
+                      <a:schemeClr val="accent4"/>
                     </a:solidFill>
                   </a:rPr>
-                  <a:t>Galaxy</a:t>
+                  <a:t>Merger Axis</a:t>
                 </a:r>
-              </a:p>
-              <a:p>
-                <a:pPr algn="r"/>
-                <a:r>
-                  <a:rPr lang="en-US" sz="1600" dirty="0" smtClean="0">
-                    <a:solidFill>
-                      <a:schemeClr val="accent2"/>
-                    </a:solidFill>
-                  </a:rPr>
-                  <a:t>Centroid</a:t>
-                </a:r>
-                <a:endParaRPr lang="en-US" sz="1600" dirty="0">
+                <a:endParaRPr lang="en-US" sz="1400" dirty="0">
                   <a:solidFill>
-                    <a:schemeClr val="accent2"/>
-                  </a:solidFill>
-                </a:endParaRPr>
-              </a:p>
-            </p:txBody>
-          </p:sp>
-          <p:sp>
-            <p:nvSpPr>
-              <p:cNvPr id="6" name="Line Callout 2 (Accent Bar) 5"/>
-              <p:cNvSpPr/>
-              <p:nvPr/>
-            </p:nvSpPr>
-            <p:spPr>
-              <a:xfrm>
-                <a:off x="2553046" y="1742243"/>
-                <a:ext cx="914400" cy="457200"/>
-              </a:xfrm>
-              <a:prstGeom prst="accentCallout2">
-                <a:avLst>
-                  <a:gd name="adj1" fmla="val 18750"/>
-                  <a:gd name="adj2" fmla="val 105100"/>
-                  <a:gd name="adj3" fmla="val 18846"/>
-                  <a:gd name="adj4" fmla="val 113499"/>
-                  <a:gd name="adj5" fmla="val 178445"/>
-                  <a:gd name="adj6" fmla="val 174199"/>
-                </a:avLst>
-              </a:prstGeom>
-              <a:noFill/>
-              <a:ln>
-                <a:solidFill>
-                  <a:schemeClr val="accent1"/>
-                </a:solidFill>
-              </a:ln>
-            </p:spPr>
-            <p:style>
-              <a:lnRef idx="2">
-                <a:schemeClr val="accent1">
-                  <a:shade val="50000"/>
-                </a:schemeClr>
-              </a:lnRef>
-              <a:fillRef idx="1">
-                <a:schemeClr val="accent1"/>
-              </a:fillRef>
-              <a:effectRef idx="0">
-                <a:schemeClr val="accent1"/>
-              </a:effectRef>
-              <a:fontRef idx="minor">
-                <a:schemeClr val="lt1"/>
-              </a:fontRef>
-            </p:style>
-            <p:txBody>
-              <a:bodyPr rtlCol="0" anchor="ctr"/>
-              <a:lstStyle/>
-              <a:p>
-                <a:pPr algn="r"/>
-                <a:r>
-                  <a:rPr lang="en-US" sz="1600" dirty="0" smtClean="0">
-                    <a:solidFill>
-                      <a:schemeClr val="accent1"/>
-                    </a:solidFill>
-                  </a:rPr>
-                  <a:t>Lensing</a:t>
-                </a:r>
-              </a:p>
-              <a:p>
-                <a:pPr algn="r"/>
-                <a:r>
-                  <a:rPr lang="en-US" sz="1600" dirty="0" smtClean="0">
-                    <a:solidFill>
-                      <a:schemeClr val="accent1"/>
-                    </a:solidFill>
-                  </a:rPr>
-                  <a:t>Centroid</a:t>
-                </a:r>
-                <a:endParaRPr lang="en-US" sz="1600" dirty="0">
-                  <a:solidFill>
-                    <a:schemeClr val="accent1"/>
+                    <a:schemeClr val="accent4"/>
                   </a:solidFill>
                 </a:endParaRPr>
               </a:p>
@@ -4446,23 +4564,23 @@
         </p:grpSp>
         <p:cxnSp>
           <p:nvCxnSpPr>
-            <p:cNvPr id="8" name="Straight Connector 7"/>
+            <p:cNvPr id="10" name="Straight Connector 9"/>
             <p:cNvCxnSpPr/>
             <p:nvPr/>
           </p:nvCxnSpPr>
           <p:spPr>
             <a:xfrm flipV="1">
-              <a:off x="3734790" y="1318160"/>
-              <a:ext cx="1453896" cy="3758184"/>
+              <a:off x="2343150" y="1910443"/>
+              <a:ext cx="4686300" cy="2286000"/>
             </a:xfrm>
             <a:prstGeom prst="line">
               <a:avLst/>
             </a:prstGeom>
             <a:ln w="19050">
               <a:solidFill>
-                <a:schemeClr val="accent4"/>
+                <a:schemeClr val="accent3"/>
               </a:solidFill>
-              <a:prstDash val="dash"/>
+              <a:prstDash val="dashDot"/>
             </a:ln>
           </p:spPr>
           <p:style>
@@ -4482,31 +4600,31 @@
         </p:cxnSp>
         <p:sp>
           <p:nvSpPr>
-            <p:cNvPr id="9" name="Line Callout 2 (Accent Bar) 8"/>
+            <p:cNvPr id="14" name="Line Callout 2 (Accent Bar) 13"/>
             <p:cNvSpPr/>
             <p:nvPr/>
           </p:nvSpPr>
           <p:spPr>
             <a:xfrm>
-              <a:off x="3420093" y="1385985"/>
-              <a:ext cx="1288326" cy="245660"/>
+              <a:off x="6001026" y="1376052"/>
+              <a:ext cx="1049205" cy="605642"/>
             </a:xfrm>
             <a:prstGeom prst="accentCallout2">
               <a:avLst>
                 <a:gd name="adj1" fmla="val 18750"/>
-                <a:gd name="adj2" fmla="val 100491"/>
-                <a:gd name="adj3" fmla="val 18846"/>
-                <a:gd name="adj4" fmla="val 108429"/>
-                <a:gd name="adj5" fmla="val 67659"/>
-                <a:gd name="adj6" fmla="val 129369"/>
+                <a:gd name="adj2" fmla="val -8333"/>
+                <a:gd name="adj3" fmla="val 18750"/>
+                <a:gd name="adj4" fmla="val -16667"/>
+                <a:gd name="adj5" fmla="val 202028"/>
+                <a:gd name="adj6" fmla="val -42568"/>
               </a:avLst>
             </a:prstGeom>
             <a:noFill/>
             <a:ln w="12700">
               <a:solidFill>
-                <a:schemeClr val="accent4"/>
+                <a:schemeClr val="accent3"/>
               </a:solidFill>
-              <a:prstDash val="dash"/>
+              <a:prstDash val="dashDot"/>
             </a:ln>
           </p:spPr>
           <p:style>
@@ -4529,18 +4647,49 @@
             <a:bodyPr rtlCol="0" anchor="ctr"/>
             <a:lstStyle/>
             <a:p>
-              <a:pPr algn="r"/>
               <a:r>
                 <a:rPr lang="en-US" sz="1400" dirty="0" smtClean="0">
                   <a:solidFill>
-                    <a:schemeClr val="accent4"/>
+                    <a:schemeClr val="accent3"/>
                   </a:solidFill>
                 </a:rPr>
-                <a:t>Merger Axis</a:t>
+                <a:t>1</a:t>
+              </a:r>
+              <a:r>
+                <a:rPr lang="en-US" sz="1400" baseline="30000" dirty="0" smtClean="0">
+                  <a:solidFill>
+                    <a:schemeClr val="accent3"/>
+                  </a:solidFill>
+                </a:rPr>
+                <a:t>st</a:t>
+              </a:r>
+              <a:r>
+                <a:rPr lang="en-US" sz="1400" dirty="0" smtClean="0">
+                  <a:solidFill>
+                    <a:schemeClr val="accent3"/>
+                  </a:solidFill>
+                </a:rPr>
+                <a:t> </a:t>
+              </a:r>
+              <a:r>
+                <a:rPr lang="en-US" sz="1400" dirty="0" smtClean="0">
+                  <a:solidFill>
+                    <a:schemeClr val="accent3"/>
+                  </a:solidFill>
+                </a:rPr>
+                <a:t>Principal </a:t>
+              </a:r>
+              <a:r>
+                <a:rPr lang="en-US" sz="1400" dirty="0" smtClean="0">
+                  <a:solidFill>
+                    <a:schemeClr val="accent3"/>
+                  </a:solidFill>
+                </a:rPr>
+                <a:t>Component Axis</a:t>
               </a:r>
               <a:endParaRPr lang="en-US" sz="1400" dirty="0">
                 <a:solidFill>
-                  <a:schemeClr val="accent4"/>
+                  <a:schemeClr val="accent3"/>
                 </a:solidFill>
               </a:endParaRPr>
             </a:p>
@@ -4882,6 +5031,7 @@
                 <a:schemeClr val="accent4"/>
               </a:solidFill>
               <a:prstDash val="dash"/>
+              <a:headEnd type="stealth" w="lg" len="lg"/>
             </a:ln>
           </p:spPr>
           <p:style>
@@ -5036,7 +5186,23 @@
                     <a:schemeClr val="accent3"/>
                   </a:solidFill>
                 </a:rPr>
-                <a:t> Principle Component Axis</a:t>
+                <a:t> </a:t>
+              </a:r>
+              <a:r>
+                <a:rPr lang="en-US" sz="1400" dirty="0" smtClean="0">
+                  <a:solidFill>
+                    <a:schemeClr val="accent3"/>
+                  </a:solidFill>
+                </a:rPr>
+                <a:t>Principal </a:t>
+              </a:r>
+              <a:r>
+                <a:rPr lang="en-US" sz="1400" dirty="0" smtClean="0">
+                  <a:solidFill>
+                    <a:schemeClr val="accent3"/>
+                  </a:solidFill>
+                </a:rPr>
+                <a:t>Component Axis</a:t>
               </a:r>
               <a:endParaRPr lang="en-US" sz="1400" dirty="0">
                 <a:solidFill>
